--- a/RA-L/pictures/pdf/newExperiment.pptx
+++ b/RA-L/pictures/pdf/newExperiment.pptx
@@ -3097,14 +3097,14 @@
       </p:grpSpPr>
       <p:pic>
         <p:nvPicPr>
-          <p:cNvPr id="60" name="Picture 59" descr="Cov_Final.eps"/>
+          <p:cNvPr id="3" name="Picture 2" descr="Cov_Final.eps"/>
           <p:cNvPicPr>
             <a:picLocks noChangeAspect="1"/>
           </p:cNvPicPr>
           <p:nvPr/>
         </p:nvPicPr>
         <p:blipFill>
-          <a:blip r:embed="rId2" cstate="screen">
+          <a:blip r:embed="rId2" cstate="email">
             <a:extLst>
               <a:ext uri="{28A0092B-C50C-407E-A947-70E740481C1C}">
                 <a14:useLocalDpi xmlns:a14="http://schemas.microsoft.com/office/drawing/2010/main"/>
@@ -3117,8 +3117,8 @@
         </p:blipFill>
         <p:spPr>
           <a:xfrm>
-            <a:off x="-123028" y="1156772"/>
-            <a:ext cx="5486400" cy="2479980"/>
+            <a:off x="-99790" y="1172580"/>
+            <a:ext cx="5424959" cy="2452208"/>
           </a:xfrm>
           <a:prstGeom prst="rect">
             <a:avLst/>
@@ -3200,11 +3200,11 @@
             <a:avLst/>
           </a:prstGeom>
           <a:solidFill>
-            <a:srgbClr val="F6F0E3"/>
+            <a:srgbClr val="F8E4AE"/>
           </a:solidFill>
           <a:ln>
             <a:solidFill>
-              <a:srgbClr val="F6F0E3"/>
+              <a:srgbClr val="F8E4AE"/>
             </a:solidFill>
           </a:ln>
         </p:spPr>
@@ -3246,11 +3246,11 @@
             <a:avLst/>
           </a:prstGeom>
           <a:solidFill>
-            <a:srgbClr val="F2F7FB"/>
+            <a:srgbClr val="A5CBE6"/>
           </a:solidFill>
           <a:ln>
             <a:solidFill>
-              <a:srgbClr val="F2F7FB"/>
+              <a:srgbClr val="A5CBE6"/>
             </a:solidFill>
           </a:ln>
         </p:spPr>
@@ -3286,7 +3286,7 @@
           <p:nvPr/>
         </p:nvPicPr>
         <p:blipFill>
-          <a:blip r:embed="rId3" cstate="screen">
+          <a:blip r:embed="rId3" cstate="email">
             <a:extLst>
               <a:ext uri="{28A0092B-C50C-407E-A947-70E740481C1C}">
                 <a14:useLocalDpi xmlns:a14="http://schemas.microsoft.com/office/drawing/2010/main"/>
@@ -3299,8 +3299,8 @@
         </p:blipFill>
         <p:spPr>
           <a:xfrm>
-            <a:off x="591594" y="235066"/>
-            <a:ext cx="1069539" cy="1071056"/>
+            <a:off x="591595" y="235066"/>
+            <a:ext cx="1041522" cy="1042999"/>
           </a:xfrm>
           <a:prstGeom prst="rect">
             <a:avLst/>
@@ -3316,7 +3316,7 @@
           <p:nvPr/>
         </p:nvPicPr>
         <p:blipFill>
-          <a:blip r:embed="rId4" cstate="screen">
+          <a:blip r:embed="rId4" cstate="email">
             <a:extLst>
               <a:ext uri="{28A0092B-C50C-407E-A947-70E740481C1C}">
                 <a14:useLocalDpi xmlns:a14="http://schemas.microsoft.com/office/drawing/2010/main"/>
@@ -3346,7 +3346,7 @@
           <p:nvPr/>
         </p:nvPicPr>
         <p:blipFill>
-          <a:blip r:embed="rId5" cstate="screen">
+          <a:blip r:embed="rId5" cstate="email">
             <a:extLst>
               <a:ext uri="{28A0092B-C50C-407E-A947-70E740481C1C}">
                 <a14:useLocalDpi xmlns:a14="http://schemas.microsoft.com/office/drawing/2010/main"/>
@@ -3376,7 +3376,7 @@
           <p:nvPr/>
         </p:nvPicPr>
         <p:blipFill>
-          <a:blip r:embed="rId6" cstate="screen">
+          <a:blip r:embed="rId6" cstate="email">
             <a:extLst>
               <a:ext uri="{28A0092B-C50C-407E-A947-70E740481C1C}">
                 <a14:useLocalDpi xmlns:a14="http://schemas.microsoft.com/office/drawing/2010/main"/>

--- a/RA-L/pictures/pdf/newExperiment.pptx
+++ b/RA-L/pictures/pdf/newExperiment.pptx
@@ -13,8 +13,8 @@
     <a:defPPr>
       <a:defRPr lang="en-US"/>
     </a:defPPr>
-    <a:lvl1pPr marL="0" algn="l" defTabSz="274257" rtl="0" eaLnBrk="1" latinLnBrk="0" hangingPunct="1">
-      <a:defRPr sz="1100" kern="1200">
+    <a:lvl1pPr marL="0" algn="l" defTabSz="274258" rtl="0" eaLnBrk="1" latinLnBrk="0" hangingPunct="1">
+      <a:defRPr sz="1200" kern="1200">
         <a:solidFill>
           <a:schemeClr val="tx1"/>
         </a:solidFill>
@@ -23,8 +23,8 @@
         <a:cs typeface="+mn-cs"/>
       </a:defRPr>
     </a:lvl1pPr>
-    <a:lvl2pPr marL="274257" algn="l" defTabSz="274257" rtl="0" eaLnBrk="1" latinLnBrk="0" hangingPunct="1">
-      <a:defRPr sz="1100" kern="1200">
+    <a:lvl2pPr marL="274258" algn="l" defTabSz="274258" rtl="0" eaLnBrk="1" latinLnBrk="0" hangingPunct="1">
+      <a:defRPr sz="1200" kern="1200">
         <a:solidFill>
           <a:schemeClr val="tx1"/>
         </a:solidFill>
@@ -33,8 +33,8 @@
         <a:cs typeface="+mn-cs"/>
       </a:defRPr>
     </a:lvl2pPr>
-    <a:lvl3pPr marL="548512" algn="l" defTabSz="274257" rtl="0" eaLnBrk="1" latinLnBrk="0" hangingPunct="1">
-      <a:defRPr sz="1100" kern="1200">
+    <a:lvl3pPr marL="548512" algn="l" defTabSz="274258" rtl="0" eaLnBrk="1" latinLnBrk="0" hangingPunct="1">
+      <a:defRPr sz="1200" kern="1200">
         <a:solidFill>
           <a:schemeClr val="tx1"/>
         </a:solidFill>
@@ -43,8 +43,8 @@
         <a:cs typeface="+mn-cs"/>
       </a:defRPr>
     </a:lvl3pPr>
-    <a:lvl4pPr marL="822768" algn="l" defTabSz="274257" rtl="0" eaLnBrk="1" latinLnBrk="0" hangingPunct="1">
-      <a:defRPr sz="1100" kern="1200">
+    <a:lvl4pPr marL="822768" algn="l" defTabSz="274258" rtl="0" eaLnBrk="1" latinLnBrk="0" hangingPunct="1">
+      <a:defRPr sz="1200" kern="1200">
         <a:solidFill>
           <a:schemeClr val="tx1"/>
         </a:solidFill>
@@ -53,8 +53,8 @@
         <a:cs typeface="+mn-cs"/>
       </a:defRPr>
     </a:lvl4pPr>
-    <a:lvl5pPr marL="1097024" algn="l" defTabSz="274257" rtl="0" eaLnBrk="1" latinLnBrk="0" hangingPunct="1">
-      <a:defRPr sz="1100" kern="1200">
+    <a:lvl5pPr marL="1097024" algn="l" defTabSz="274258" rtl="0" eaLnBrk="1" latinLnBrk="0" hangingPunct="1">
+      <a:defRPr sz="1200" kern="1200">
         <a:solidFill>
           <a:schemeClr val="tx1"/>
         </a:solidFill>
@@ -63,8 +63,8 @@
         <a:cs typeface="+mn-cs"/>
       </a:defRPr>
     </a:lvl5pPr>
-    <a:lvl6pPr marL="1371280" algn="l" defTabSz="274257" rtl="0" eaLnBrk="1" latinLnBrk="0" hangingPunct="1">
-      <a:defRPr sz="1100" kern="1200">
+    <a:lvl6pPr marL="1371280" algn="l" defTabSz="274258" rtl="0" eaLnBrk="1" latinLnBrk="0" hangingPunct="1">
+      <a:defRPr sz="1200" kern="1200">
         <a:solidFill>
           <a:schemeClr val="tx1"/>
         </a:solidFill>
@@ -73,8 +73,8 @@
         <a:cs typeface="+mn-cs"/>
       </a:defRPr>
     </a:lvl6pPr>
-    <a:lvl7pPr marL="1645537" algn="l" defTabSz="274257" rtl="0" eaLnBrk="1" latinLnBrk="0" hangingPunct="1">
-      <a:defRPr sz="1100" kern="1200">
+    <a:lvl7pPr marL="1645538" algn="l" defTabSz="274258" rtl="0" eaLnBrk="1" latinLnBrk="0" hangingPunct="1">
+      <a:defRPr sz="1200" kern="1200">
         <a:solidFill>
           <a:schemeClr val="tx1"/>
         </a:solidFill>
@@ -83,8 +83,8 @@
         <a:cs typeface="+mn-cs"/>
       </a:defRPr>
     </a:lvl7pPr>
-    <a:lvl8pPr marL="1919792" algn="l" defTabSz="274257" rtl="0" eaLnBrk="1" latinLnBrk="0" hangingPunct="1">
-      <a:defRPr sz="1100" kern="1200">
+    <a:lvl8pPr marL="1919792" algn="l" defTabSz="274258" rtl="0" eaLnBrk="1" latinLnBrk="0" hangingPunct="1">
+      <a:defRPr sz="1200" kern="1200">
         <a:solidFill>
           <a:schemeClr val="tx1"/>
         </a:solidFill>
@@ -93,8 +93,8 @@
         <a:cs typeface="+mn-cs"/>
       </a:defRPr>
     </a:lvl8pPr>
-    <a:lvl9pPr marL="2194049" algn="l" defTabSz="274257" rtl="0" eaLnBrk="1" latinLnBrk="0" hangingPunct="1">
-      <a:defRPr sz="1100" kern="1200">
+    <a:lvl9pPr marL="2194050" algn="l" defTabSz="274258" rtl="0" eaLnBrk="1" latinLnBrk="0" hangingPunct="1">
+      <a:defRPr sz="1200" kern="1200">
         <a:solidFill>
           <a:schemeClr val="tx1"/>
         </a:solidFill>
@@ -136,8 +136,8 @@
         </p:nvSpPr>
         <p:spPr>
           <a:xfrm>
-            <a:off x="377190" y="1136230"/>
-            <a:ext cx="4274820" cy="784013"/>
+            <a:off x="377190" y="1136231"/>
+            <a:ext cx="4274820" cy="784014"/>
           </a:xfrm>
         </p:spPr>
         <p:txBody>
@@ -181,7 +181,7 @@
                 </a:solidFill>
               </a:defRPr>
             </a:lvl1pPr>
-            <a:lvl2pPr marL="274257" indent="0" algn="ctr">
+            <a:lvl2pPr marL="274258" indent="0" algn="ctr">
               <a:buNone/>
               <a:defRPr>
                 <a:solidFill>
@@ -231,7 +231,7 @@
                 </a:solidFill>
               </a:defRPr>
             </a:lvl6pPr>
-            <a:lvl7pPr marL="1645537" indent="0" algn="ctr">
+            <a:lvl7pPr marL="1645538" indent="0" algn="ctr">
               <a:buNone/>
               <a:defRPr>
                 <a:solidFill>
@@ -251,7 +251,7 @@
                 </a:solidFill>
               </a:defRPr>
             </a:lvl8pPr>
-            <a:lvl9pPr marL="2194049" indent="0" algn="ctr">
+            <a:lvl9pPr marL="2194050" indent="0" algn="ctr">
               <a:buNone/>
               <a:defRPr>
                 <a:solidFill>
@@ -548,8 +548,8 @@
         </p:nvSpPr>
         <p:spPr>
           <a:xfrm>
-            <a:off x="3646170" y="146478"/>
-            <a:ext cx="1131570" cy="3120813"/>
+            <a:off x="3646171" y="146479"/>
+            <a:ext cx="1131570" cy="3120814"/>
           </a:xfrm>
         </p:spPr>
         <p:txBody>
@@ -576,8 +576,8 @@
         </p:nvSpPr>
         <p:spPr>
           <a:xfrm>
-            <a:off x="251460" y="146478"/>
-            <a:ext cx="3310890" cy="3120813"/>
+            <a:off x="251461" y="146479"/>
+            <a:ext cx="3310890" cy="3120814"/>
           </a:xfrm>
         </p:spPr>
         <p:txBody>
@@ -898,7 +898,7 @@
         </p:nvSpPr>
         <p:spPr>
           <a:xfrm>
-            <a:off x="397272" y="2350349"/>
+            <a:off x="397272" y="2350350"/>
             <a:ext cx="4274820" cy="726440"/>
           </a:xfrm>
         </p:spPr>
@@ -930,8 +930,8 @@
         </p:nvSpPr>
         <p:spPr>
           <a:xfrm>
-            <a:off x="397272" y="1550250"/>
-            <a:ext cx="4274820" cy="800101"/>
+            <a:off x="397272" y="1550251"/>
+            <a:ext cx="4274820" cy="800102"/>
           </a:xfrm>
         </p:spPr>
         <p:txBody>
@@ -947,9 +947,9 @@
                 </a:solidFill>
               </a:defRPr>
             </a:lvl1pPr>
-            <a:lvl2pPr marL="274257" indent="0">
-              <a:buNone/>
-              <a:defRPr sz="1100">
+            <a:lvl2pPr marL="274258" indent="0">
+              <a:buNone/>
+              <a:defRPr sz="1200">
                 <a:solidFill>
                   <a:schemeClr val="tx1">
                     <a:tint val="75000"/>
@@ -959,7 +959,7 @@
             </a:lvl2pPr>
             <a:lvl3pPr marL="548512" indent="0">
               <a:buNone/>
-              <a:defRPr sz="900">
+              <a:defRPr sz="1000">
                 <a:solidFill>
                   <a:schemeClr val="tx1">
                     <a:tint val="75000"/>
@@ -997,7 +997,7 @@
                 </a:solidFill>
               </a:defRPr>
             </a:lvl6pPr>
-            <a:lvl7pPr marL="1645537" indent="0">
+            <a:lvl7pPr marL="1645538" indent="0">
               <a:buNone/>
               <a:defRPr sz="800">
                 <a:solidFill>
@@ -1017,7 +1017,7 @@
                 </a:solidFill>
               </a:defRPr>
             </a:lvl8pPr>
-            <a:lvl9pPr marL="2194049" indent="0">
+            <a:lvl9pPr marL="2194050" indent="0">
               <a:buNone/>
               <a:defRPr sz="800">
                 <a:solidFill>
@@ -1167,39 +1167,39 @@
         </p:nvSpPr>
         <p:spPr>
           <a:xfrm>
-            <a:off x="251460" y="853445"/>
-            <a:ext cx="2221230" cy="2413847"/>
+            <a:off x="251461" y="853446"/>
+            <a:ext cx="2221230" cy="2413848"/>
           </a:xfrm>
         </p:spPr>
         <p:txBody>
           <a:bodyPr/>
           <a:lstStyle>
             <a:lvl1pPr>
-              <a:defRPr sz="1700"/>
+              <a:defRPr sz="1800"/>
             </a:lvl1pPr>
             <a:lvl2pPr>
-              <a:defRPr sz="1500"/>
+              <a:defRPr sz="1600"/>
             </a:lvl2pPr>
             <a:lvl3pPr>
               <a:defRPr sz="1200"/>
             </a:lvl3pPr>
             <a:lvl4pPr>
-              <a:defRPr sz="1100"/>
+              <a:defRPr sz="1200"/>
             </a:lvl4pPr>
             <a:lvl5pPr>
-              <a:defRPr sz="1100"/>
+              <a:defRPr sz="1200"/>
             </a:lvl5pPr>
             <a:lvl6pPr>
-              <a:defRPr sz="1100"/>
+              <a:defRPr sz="1200"/>
             </a:lvl6pPr>
             <a:lvl7pPr>
-              <a:defRPr sz="1100"/>
+              <a:defRPr sz="1200"/>
             </a:lvl7pPr>
             <a:lvl8pPr>
-              <a:defRPr sz="1100"/>
+              <a:defRPr sz="1200"/>
             </a:lvl8pPr>
             <a:lvl9pPr>
-              <a:defRPr sz="1100"/>
+              <a:defRPr sz="1200"/>
             </a:lvl9pPr>
           </a:lstStyle>
           <a:p>
@@ -1252,39 +1252,39 @@
         </p:nvSpPr>
         <p:spPr>
           <a:xfrm>
-            <a:off x="2556510" y="853445"/>
-            <a:ext cx="2221230" cy="2413847"/>
+            <a:off x="2556511" y="853446"/>
+            <a:ext cx="2221230" cy="2413848"/>
           </a:xfrm>
         </p:spPr>
         <p:txBody>
           <a:bodyPr/>
           <a:lstStyle>
             <a:lvl1pPr>
-              <a:defRPr sz="1700"/>
+              <a:defRPr sz="1800"/>
             </a:lvl1pPr>
             <a:lvl2pPr>
-              <a:defRPr sz="1500"/>
+              <a:defRPr sz="1600"/>
             </a:lvl2pPr>
             <a:lvl3pPr>
               <a:defRPr sz="1200"/>
             </a:lvl3pPr>
             <a:lvl4pPr>
-              <a:defRPr sz="1100"/>
+              <a:defRPr sz="1200"/>
             </a:lvl4pPr>
             <a:lvl5pPr>
-              <a:defRPr sz="1100"/>
+              <a:defRPr sz="1200"/>
             </a:lvl5pPr>
             <a:lvl6pPr>
-              <a:defRPr sz="1100"/>
+              <a:defRPr sz="1200"/>
             </a:lvl6pPr>
             <a:lvl7pPr>
-              <a:defRPr sz="1100"/>
+              <a:defRPr sz="1200"/>
             </a:lvl7pPr>
             <a:lvl8pPr>
-              <a:defRPr sz="1100"/>
+              <a:defRPr sz="1200"/>
             </a:lvl8pPr>
             <a:lvl9pPr>
-              <a:defRPr sz="1100"/>
+              <a:defRPr sz="1200"/>
             </a:lvl9pPr>
           </a:lstStyle>
           <a:p>
@@ -1459,8 +1459,8 @@
         </p:nvSpPr>
         <p:spPr>
           <a:xfrm>
-            <a:off x="251466" y="818731"/>
-            <a:ext cx="2222105" cy="341207"/>
+            <a:off x="251467" y="818732"/>
+            <a:ext cx="2222106" cy="341208"/>
           </a:xfrm>
         </p:spPr>
         <p:txBody>
@@ -1468,39 +1468,39 @@
           <a:lstStyle>
             <a:lvl1pPr marL="0" indent="0">
               <a:buNone/>
-              <a:defRPr sz="1500" b="1"/>
+              <a:defRPr sz="1600" b="1"/>
             </a:lvl1pPr>
-            <a:lvl2pPr marL="274257" indent="0">
+            <a:lvl2pPr marL="274258" indent="0">
               <a:buNone/>
               <a:defRPr sz="1200" b="1"/>
             </a:lvl2pPr>
             <a:lvl3pPr marL="548512" indent="0">
               <a:buNone/>
-              <a:defRPr sz="1100" b="1"/>
+              <a:defRPr sz="1200" b="1"/>
             </a:lvl3pPr>
             <a:lvl4pPr marL="822768" indent="0">
               <a:buNone/>
-              <a:defRPr sz="900" b="1"/>
+              <a:defRPr sz="1000" b="1"/>
             </a:lvl4pPr>
             <a:lvl5pPr marL="1097024" indent="0">
               <a:buNone/>
-              <a:defRPr sz="900" b="1"/>
+              <a:defRPr sz="1000" b="1"/>
             </a:lvl5pPr>
             <a:lvl6pPr marL="1371280" indent="0">
               <a:buNone/>
-              <a:defRPr sz="900" b="1"/>
+              <a:defRPr sz="1000" b="1"/>
             </a:lvl6pPr>
-            <a:lvl7pPr marL="1645537" indent="0">
-              <a:buNone/>
-              <a:defRPr sz="900" b="1"/>
+            <a:lvl7pPr marL="1645538" indent="0">
+              <a:buNone/>
+              <a:defRPr sz="1000" b="1"/>
             </a:lvl7pPr>
             <a:lvl8pPr marL="1919792" indent="0">
               <a:buNone/>
-              <a:defRPr sz="900" b="1"/>
+              <a:defRPr sz="1000" b="1"/>
             </a:lvl8pPr>
-            <a:lvl9pPr marL="2194049" indent="0">
-              <a:buNone/>
-              <a:defRPr sz="900" b="1"/>
+            <a:lvl9pPr marL="2194050" indent="0">
+              <a:buNone/>
+              <a:defRPr sz="1000" b="1"/>
             </a:lvl9pPr>
           </a:lstStyle>
           <a:p>
@@ -1524,39 +1524,39 @@
         </p:nvSpPr>
         <p:spPr>
           <a:xfrm>
-            <a:off x="251466" y="1159937"/>
-            <a:ext cx="2222105" cy="2107355"/>
+            <a:off x="251467" y="1159938"/>
+            <a:ext cx="2222106" cy="2107356"/>
           </a:xfrm>
         </p:spPr>
         <p:txBody>
           <a:bodyPr/>
           <a:lstStyle>
             <a:lvl1pPr>
-              <a:defRPr sz="1500"/>
+              <a:defRPr sz="1600"/>
             </a:lvl1pPr>
             <a:lvl2pPr>
               <a:defRPr sz="1200"/>
             </a:lvl2pPr>
             <a:lvl3pPr>
-              <a:defRPr sz="1100"/>
+              <a:defRPr sz="1200"/>
             </a:lvl3pPr>
             <a:lvl4pPr>
-              <a:defRPr sz="900"/>
+              <a:defRPr sz="1000"/>
             </a:lvl4pPr>
             <a:lvl5pPr>
-              <a:defRPr sz="900"/>
+              <a:defRPr sz="1000"/>
             </a:lvl5pPr>
             <a:lvl6pPr>
-              <a:defRPr sz="900"/>
+              <a:defRPr sz="1000"/>
             </a:lvl6pPr>
             <a:lvl7pPr>
-              <a:defRPr sz="900"/>
+              <a:defRPr sz="1000"/>
             </a:lvl7pPr>
             <a:lvl8pPr>
-              <a:defRPr sz="900"/>
+              <a:defRPr sz="1000"/>
             </a:lvl8pPr>
             <a:lvl9pPr>
-              <a:defRPr sz="900"/>
+              <a:defRPr sz="1000"/>
             </a:lvl9pPr>
           </a:lstStyle>
           <a:p>
@@ -1609,8 +1609,8 @@
         </p:nvSpPr>
         <p:spPr>
           <a:xfrm>
-            <a:off x="2554765" y="818731"/>
-            <a:ext cx="2222978" cy="341207"/>
+            <a:off x="2554767" y="818732"/>
+            <a:ext cx="2222978" cy="341208"/>
           </a:xfrm>
         </p:spPr>
         <p:txBody>
@@ -1618,39 +1618,39 @@
           <a:lstStyle>
             <a:lvl1pPr marL="0" indent="0">
               <a:buNone/>
-              <a:defRPr sz="1500" b="1"/>
+              <a:defRPr sz="1600" b="1"/>
             </a:lvl1pPr>
-            <a:lvl2pPr marL="274257" indent="0">
+            <a:lvl2pPr marL="274258" indent="0">
               <a:buNone/>
               <a:defRPr sz="1200" b="1"/>
             </a:lvl2pPr>
             <a:lvl3pPr marL="548512" indent="0">
               <a:buNone/>
-              <a:defRPr sz="1100" b="1"/>
+              <a:defRPr sz="1200" b="1"/>
             </a:lvl3pPr>
             <a:lvl4pPr marL="822768" indent="0">
               <a:buNone/>
-              <a:defRPr sz="900" b="1"/>
+              <a:defRPr sz="1000" b="1"/>
             </a:lvl4pPr>
             <a:lvl5pPr marL="1097024" indent="0">
               <a:buNone/>
-              <a:defRPr sz="900" b="1"/>
+              <a:defRPr sz="1000" b="1"/>
             </a:lvl5pPr>
             <a:lvl6pPr marL="1371280" indent="0">
               <a:buNone/>
-              <a:defRPr sz="900" b="1"/>
+              <a:defRPr sz="1000" b="1"/>
             </a:lvl6pPr>
-            <a:lvl7pPr marL="1645537" indent="0">
-              <a:buNone/>
-              <a:defRPr sz="900" b="1"/>
+            <a:lvl7pPr marL="1645538" indent="0">
+              <a:buNone/>
+              <a:defRPr sz="1000" b="1"/>
             </a:lvl7pPr>
             <a:lvl8pPr marL="1919792" indent="0">
               <a:buNone/>
-              <a:defRPr sz="900" b="1"/>
+              <a:defRPr sz="1000" b="1"/>
             </a:lvl8pPr>
-            <a:lvl9pPr marL="2194049" indent="0">
-              <a:buNone/>
-              <a:defRPr sz="900" b="1"/>
+            <a:lvl9pPr marL="2194050" indent="0">
+              <a:buNone/>
+              <a:defRPr sz="1000" b="1"/>
             </a:lvl9pPr>
           </a:lstStyle>
           <a:p>
@@ -1674,39 +1674,39 @@
         </p:nvSpPr>
         <p:spPr>
           <a:xfrm>
-            <a:off x="2554765" y="1159937"/>
-            <a:ext cx="2222978" cy="2107355"/>
+            <a:off x="2554767" y="1159938"/>
+            <a:ext cx="2222978" cy="2107356"/>
           </a:xfrm>
         </p:spPr>
         <p:txBody>
           <a:bodyPr/>
           <a:lstStyle>
             <a:lvl1pPr>
-              <a:defRPr sz="1500"/>
+              <a:defRPr sz="1600"/>
             </a:lvl1pPr>
             <a:lvl2pPr>
               <a:defRPr sz="1200"/>
             </a:lvl2pPr>
             <a:lvl3pPr>
-              <a:defRPr sz="1100"/>
+              <a:defRPr sz="1200"/>
             </a:lvl3pPr>
             <a:lvl4pPr>
-              <a:defRPr sz="900"/>
+              <a:defRPr sz="1000"/>
             </a:lvl4pPr>
             <a:lvl5pPr>
-              <a:defRPr sz="900"/>
+              <a:defRPr sz="1000"/>
             </a:lvl5pPr>
             <a:lvl6pPr>
-              <a:defRPr sz="900"/>
+              <a:defRPr sz="1000"/>
             </a:lvl6pPr>
             <a:lvl7pPr>
-              <a:defRPr sz="900"/>
+              <a:defRPr sz="1000"/>
             </a:lvl7pPr>
             <a:lvl8pPr>
-              <a:defRPr sz="900"/>
+              <a:defRPr sz="1000"/>
             </a:lvl8pPr>
             <a:lvl9pPr>
-              <a:defRPr sz="900"/>
+              <a:defRPr sz="1000"/>
             </a:lvl9pPr>
           </a:lstStyle>
           <a:p>
@@ -2067,7 +2067,7 @@
         </p:nvSpPr>
         <p:spPr>
           <a:xfrm>
-            <a:off x="251467" y="145628"/>
+            <a:off x="251468" y="145628"/>
             <a:ext cx="1654572" cy="619760"/>
           </a:xfrm>
         </p:spPr>
@@ -2099,8 +2099,8 @@
         </p:nvSpPr>
         <p:spPr>
           <a:xfrm>
-            <a:off x="1966279" y="145630"/>
-            <a:ext cx="2811463" cy="3121661"/>
+            <a:off x="1966278" y="145631"/>
+            <a:ext cx="2811464" cy="3121662"/>
           </a:xfrm>
         </p:spPr>
         <p:txBody>
@@ -2110,10 +2110,10 @@
               <a:defRPr sz="2000"/>
             </a:lvl1pPr>
             <a:lvl2pPr>
-              <a:defRPr sz="1700"/>
+              <a:defRPr sz="1800"/>
             </a:lvl2pPr>
             <a:lvl3pPr>
-              <a:defRPr sz="1500"/>
+              <a:defRPr sz="1600"/>
             </a:lvl3pPr>
             <a:lvl4pPr>
               <a:defRPr sz="1200"/>
@@ -2184,8 +2184,8 @@
         </p:nvSpPr>
         <p:spPr>
           <a:xfrm>
-            <a:off x="251467" y="765390"/>
-            <a:ext cx="1654572" cy="2501901"/>
+            <a:off x="251468" y="765391"/>
+            <a:ext cx="1654572" cy="2501902"/>
           </a:xfrm>
         </p:spPr>
         <p:txBody>
@@ -2195,37 +2195,37 @@
               <a:buNone/>
               <a:defRPr sz="800"/>
             </a:lvl1pPr>
-            <a:lvl2pPr marL="274257" indent="0">
-              <a:buNone/>
-              <a:defRPr sz="700"/>
+            <a:lvl2pPr marL="274258" indent="0">
+              <a:buNone/>
+              <a:defRPr sz="800"/>
             </a:lvl2pPr>
             <a:lvl3pPr marL="548512" indent="0">
               <a:buNone/>
-              <a:defRPr sz="700"/>
+              <a:defRPr sz="800"/>
             </a:lvl3pPr>
             <a:lvl4pPr marL="822768" indent="0">
               <a:buNone/>
-              <a:defRPr sz="500"/>
+              <a:defRPr sz="600"/>
             </a:lvl4pPr>
             <a:lvl5pPr marL="1097024" indent="0">
               <a:buNone/>
-              <a:defRPr sz="500"/>
+              <a:defRPr sz="600"/>
             </a:lvl5pPr>
             <a:lvl6pPr marL="1371280" indent="0">
               <a:buNone/>
-              <a:defRPr sz="500"/>
+              <a:defRPr sz="600"/>
             </a:lvl6pPr>
-            <a:lvl7pPr marL="1645537" indent="0">
-              <a:buNone/>
-              <a:defRPr sz="500"/>
+            <a:lvl7pPr marL="1645538" indent="0">
+              <a:buNone/>
+              <a:defRPr sz="600"/>
             </a:lvl7pPr>
             <a:lvl8pPr marL="1919792" indent="0">
               <a:buNone/>
-              <a:defRPr sz="500"/>
+              <a:defRPr sz="600"/>
             </a:lvl8pPr>
-            <a:lvl9pPr marL="2194049" indent="0">
-              <a:buNone/>
-              <a:defRPr sz="500"/>
+            <a:lvl9pPr marL="2194050" indent="0">
+              <a:buNone/>
+              <a:defRPr sz="600"/>
             </a:lvl9pPr>
           </a:lstStyle>
           <a:p>
@@ -2344,8 +2344,8 @@
         </p:nvSpPr>
         <p:spPr>
           <a:xfrm>
-            <a:off x="985760" y="2560322"/>
-            <a:ext cx="3017520" cy="302261"/>
+            <a:off x="985760" y="2560323"/>
+            <a:ext cx="3017520" cy="302262"/>
           </a:xfrm>
         </p:spPr>
         <p:txBody>
@@ -2376,7 +2376,7 @@
         </p:nvSpPr>
         <p:spPr>
           <a:xfrm>
-            <a:off x="985760" y="326813"/>
+            <a:off x="985760" y="326814"/>
             <a:ext cx="3017520" cy="2194560"/>
           </a:xfrm>
         </p:spPr>
@@ -2387,13 +2387,13 @@
               <a:buNone/>
               <a:defRPr sz="2000"/>
             </a:lvl1pPr>
-            <a:lvl2pPr marL="274257" indent="0">
-              <a:buNone/>
-              <a:defRPr sz="1700"/>
+            <a:lvl2pPr marL="274258" indent="0">
+              <a:buNone/>
+              <a:defRPr sz="1800"/>
             </a:lvl2pPr>
             <a:lvl3pPr marL="548512" indent="0">
               <a:buNone/>
-              <a:defRPr sz="1500"/>
+              <a:defRPr sz="1600"/>
             </a:lvl3pPr>
             <a:lvl4pPr marL="822768" indent="0">
               <a:buNone/>
@@ -2407,7 +2407,7 @@
               <a:buNone/>
               <a:defRPr sz="1200"/>
             </a:lvl6pPr>
-            <a:lvl7pPr marL="1645537" indent="0">
+            <a:lvl7pPr marL="1645538" indent="0">
               <a:buNone/>
               <a:defRPr sz="1200"/>
             </a:lvl7pPr>
@@ -2415,7 +2415,7 @@
               <a:buNone/>
               <a:defRPr sz="1200"/>
             </a:lvl8pPr>
-            <a:lvl9pPr marL="2194049" indent="0">
+            <a:lvl9pPr marL="2194050" indent="0">
               <a:buNone/>
               <a:defRPr sz="1200"/>
             </a:lvl9pPr>
@@ -2437,8 +2437,8 @@
         </p:nvSpPr>
         <p:spPr>
           <a:xfrm>
-            <a:off x="985760" y="2862584"/>
-            <a:ext cx="3017520" cy="429261"/>
+            <a:off x="985760" y="2862585"/>
+            <a:ext cx="3017520" cy="429262"/>
           </a:xfrm>
         </p:spPr>
         <p:txBody>
@@ -2448,37 +2448,37 @@
               <a:buNone/>
               <a:defRPr sz="800"/>
             </a:lvl1pPr>
-            <a:lvl2pPr marL="274257" indent="0">
-              <a:buNone/>
-              <a:defRPr sz="700"/>
+            <a:lvl2pPr marL="274258" indent="0">
+              <a:buNone/>
+              <a:defRPr sz="800"/>
             </a:lvl2pPr>
             <a:lvl3pPr marL="548512" indent="0">
               <a:buNone/>
-              <a:defRPr sz="700"/>
+              <a:defRPr sz="800"/>
             </a:lvl3pPr>
             <a:lvl4pPr marL="822768" indent="0">
               <a:buNone/>
-              <a:defRPr sz="500"/>
+              <a:defRPr sz="600"/>
             </a:lvl4pPr>
             <a:lvl5pPr marL="1097024" indent="0">
               <a:buNone/>
-              <a:defRPr sz="500"/>
+              <a:defRPr sz="600"/>
             </a:lvl5pPr>
             <a:lvl6pPr marL="1371280" indent="0">
               <a:buNone/>
-              <a:defRPr sz="500"/>
+              <a:defRPr sz="600"/>
             </a:lvl6pPr>
-            <a:lvl7pPr marL="1645537" indent="0">
-              <a:buNone/>
-              <a:defRPr sz="500"/>
+            <a:lvl7pPr marL="1645538" indent="0">
+              <a:buNone/>
+              <a:defRPr sz="600"/>
             </a:lvl7pPr>
             <a:lvl8pPr marL="1919792" indent="0">
               <a:buNone/>
-              <a:defRPr sz="500"/>
+              <a:defRPr sz="600"/>
             </a:lvl8pPr>
-            <a:lvl9pPr marL="2194049" indent="0">
-              <a:buNone/>
-              <a:defRPr sz="500"/>
+            <a:lvl9pPr marL="2194050" indent="0">
+              <a:buNone/>
+              <a:defRPr sz="600"/>
             </a:lvl9pPr>
           </a:lstStyle>
           <a:p>
@@ -2602,7 +2602,7 @@
         </p:nvSpPr>
         <p:spPr>
           <a:xfrm>
-            <a:off x="251460" y="146475"/>
+            <a:off x="251460" y="146476"/>
             <a:ext cx="4526280" cy="609600"/>
           </a:xfrm>
           <a:prstGeom prst="rect">
@@ -2635,8 +2635,8 @@
         </p:nvSpPr>
         <p:spPr>
           <a:xfrm>
-            <a:off x="251460" y="853445"/>
-            <a:ext cx="4526280" cy="2413847"/>
+            <a:off x="251460" y="853446"/>
+            <a:ext cx="4526280" cy="2413848"/>
           </a:xfrm>
           <a:prstGeom prst="rect">
             <a:avLst/>
@@ -2697,8 +2697,8 @@
         </p:nvSpPr>
         <p:spPr>
           <a:xfrm>
-            <a:off x="251460" y="3390058"/>
-            <a:ext cx="1173480" cy="194733"/>
+            <a:off x="251460" y="3390059"/>
+            <a:ext cx="1173480" cy="194734"/>
           </a:xfrm>
           <a:prstGeom prst="rect">
             <a:avLst/>
@@ -2708,7 +2708,7 @@
           <a:bodyPr vert="horz" lIns="54852" tIns="27426" rIns="54852" bIns="27426" rtlCol="0" anchor="ctr"/>
           <a:lstStyle>
             <a:lvl1pPr algn="l">
-              <a:defRPr sz="700">
+              <a:defRPr sz="800">
                 <a:solidFill>
                   <a:schemeClr val="tx1">
                     <a:tint val="75000"/>
@@ -2738,8 +2738,8 @@
         </p:nvSpPr>
         <p:spPr>
           <a:xfrm>
-            <a:off x="1718310" y="3390058"/>
-            <a:ext cx="1592580" cy="194733"/>
+            <a:off x="1718310" y="3390059"/>
+            <a:ext cx="1592580" cy="194734"/>
           </a:xfrm>
           <a:prstGeom prst="rect">
             <a:avLst/>
@@ -2749,7 +2749,7 @@
           <a:bodyPr vert="horz" lIns="54852" tIns="27426" rIns="54852" bIns="27426" rtlCol="0" anchor="ctr"/>
           <a:lstStyle>
             <a:lvl1pPr algn="ctr">
-              <a:defRPr sz="700">
+              <a:defRPr sz="800">
                 <a:solidFill>
                   <a:schemeClr val="tx1">
                     <a:tint val="75000"/>
@@ -2775,8 +2775,8 @@
         </p:nvSpPr>
         <p:spPr>
           <a:xfrm>
-            <a:off x="3604260" y="3390058"/>
-            <a:ext cx="1173480" cy="194733"/>
+            <a:off x="3604260" y="3390059"/>
+            <a:ext cx="1173480" cy="194734"/>
           </a:xfrm>
           <a:prstGeom prst="rect">
             <a:avLst/>
@@ -2786,7 +2786,7 @@
           <a:bodyPr vert="horz" lIns="54852" tIns="27426" rIns="54852" bIns="27426" rtlCol="0" anchor="ctr"/>
           <a:lstStyle>
             <a:lvl1pPr algn="r">
-              <a:defRPr sz="700">
+              <a:defRPr sz="800">
                 <a:solidFill>
                   <a:schemeClr val="tx1">
                     <a:tint val="75000"/>
@@ -2827,12 +2827,12 @@
   </p:sldLayoutIdLst>
   <p:txStyles>
     <p:titleStyle>
-      <a:lvl1pPr algn="ctr" defTabSz="274257" rtl="0" eaLnBrk="1" latinLnBrk="0" hangingPunct="1">
+      <a:lvl1pPr algn="ctr" defTabSz="274258" rtl="0" eaLnBrk="1" latinLnBrk="0" hangingPunct="1">
         <a:spcBef>
           <a:spcPct val="0"/>
         </a:spcBef>
         <a:buNone/>
-        <a:defRPr sz="2700" kern="1200">
+        <a:defRPr sz="2800" kern="1200">
           <a:solidFill>
             <a:schemeClr val="tx1"/>
           </a:solidFill>
@@ -2843,7 +2843,7 @@
       </a:lvl1pPr>
     </p:titleStyle>
     <p:bodyStyle>
-      <a:lvl1pPr marL="205691" indent="-205691" algn="l" defTabSz="274257" rtl="0" eaLnBrk="1" latinLnBrk="0" hangingPunct="1">
+      <a:lvl1pPr marL="205692" indent="-205692" algn="l" defTabSz="274258" rtl="0" eaLnBrk="1" latinLnBrk="0" hangingPunct="1">
         <a:spcBef>
           <a:spcPct val="20000"/>
         </a:spcBef>
@@ -2858,13 +2858,13 @@
           <a:cs typeface="+mn-cs"/>
         </a:defRPr>
       </a:lvl1pPr>
-      <a:lvl2pPr marL="445665" indent="-171410" algn="l" defTabSz="274257" rtl="0" eaLnBrk="1" latinLnBrk="0" hangingPunct="1">
+      <a:lvl2pPr marL="445666" indent="-171410" algn="l" defTabSz="274258" rtl="0" eaLnBrk="1" latinLnBrk="0" hangingPunct="1">
         <a:spcBef>
           <a:spcPct val="20000"/>
         </a:spcBef>
         <a:buFont typeface="Arial"/>
         <a:buChar char="–"/>
-        <a:defRPr sz="1700" kern="1200">
+        <a:defRPr sz="1800" kern="1200">
           <a:solidFill>
             <a:schemeClr val="tx1"/>
           </a:solidFill>
@@ -2873,13 +2873,13 @@
           <a:cs typeface="+mn-cs"/>
         </a:defRPr>
       </a:lvl2pPr>
-      <a:lvl3pPr marL="685639" indent="-137128" algn="l" defTabSz="274257" rtl="0" eaLnBrk="1" latinLnBrk="0" hangingPunct="1">
+      <a:lvl3pPr marL="685640" indent="-137128" algn="l" defTabSz="274258" rtl="0" eaLnBrk="1" latinLnBrk="0" hangingPunct="1">
         <a:spcBef>
           <a:spcPct val="20000"/>
         </a:spcBef>
         <a:buFont typeface="Arial"/>
         <a:buChar char="•"/>
-        <a:defRPr sz="1500" kern="1200">
+        <a:defRPr sz="1600" kern="1200">
           <a:solidFill>
             <a:schemeClr val="tx1"/>
           </a:solidFill>
@@ -2888,7 +2888,7 @@
           <a:cs typeface="+mn-cs"/>
         </a:defRPr>
       </a:lvl3pPr>
-      <a:lvl4pPr marL="959897" indent="-137128" algn="l" defTabSz="274257" rtl="0" eaLnBrk="1" latinLnBrk="0" hangingPunct="1">
+      <a:lvl4pPr marL="959898" indent="-137128" algn="l" defTabSz="274258" rtl="0" eaLnBrk="1" latinLnBrk="0" hangingPunct="1">
         <a:spcBef>
           <a:spcPct val="20000"/>
         </a:spcBef>
@@ -2903,7 +2903,7 @@
           <a:cs typeface="+mn-cs"/>
         </a:defRPr>
       </a:lvl4pPr>
-      <a:lvl5pPr marL="1234153" indent="-137128" algn="l" defTabSz="274257" rtl="0" eaLnBrk="1" latinLnBrk="0" hangingPunct="1">
+      <a:lvl5pPr marL="1234154" indent="-137128" algn="l" defTabSz="274258" rtl="0" eaLnBrk="1" latinLnBrk="0" hangingPunct="1">
         <a:spcBef>
           <a:spcPct val="20000"/>
         </a:spcBef>
@@ -2918,7 +2918,7 @@
           <a:cs typeface="+mn-cs"/>
         </a:defRPr>
       </a:lvl5pPr>
-      <a:lvl6pPr marL="1508408" indent="-137128" algn="l" defTabSz="274257" rtl="0" eaLnBrk="1" latinLnBrk="0" hangingPunct="1">
+      <a:lvl6pPr marL="1508408" indent="-137128" algn="l" defTabSz="274258" rtl="0" eaLnBrk="1" latinLnBrk="0" hangingPunct="1">
         <a:spcBef>
           <a:spcPct val="20000"/>
         </a:spcBef>
@@ -2933,7 +2933,7 @@
           <a:cs typeface="+mn-cs"/>
         </a:defRPr>
       </a:lvl6pPr>
-      <a:lvl7pPr marL="1782665" indent="-137128" algn="l" defTabSz="274257" rtl="0" eaLnBrk="1" latinLnBrk="0" hangingPunct="1">
+      <a:lvl7pPr marL="1782666" indent="-137128" algn="l" defTabSz="274258" rtl="0" eaLnBrk="1" latinLnBrk="0" hangingPunct="1">
         <a:spcBef>
           <a:spcPct val="20000"/>
         </a:spcBef>
@@ -2948,7 +2948,7 @@
           <a:cs typeface="+mn-cs"/>
         </a:defRPr>
       </a:lvl7pPr>
-      <a:lvl8pPr marL="2056920" indent="-137128" algn="l" defTabSz="274257" rtl="0" eaLnBrk="1" latinLnBrk="0" hangingPunct="1">
+      <a:lvl8pPr marL="2056920" indent="-137128" algn="l" defTabSz="274258" rtl="0" eaLnBrk="1" latinLnBrk="0" hangingPunct="1">
         <a:spcBef>
           <a:spcPct val="20000"/>
         </a:spcBef>
@@ -2963,7 +2963,7 @@
           <a:cs typeface="+mn-cs"/>
         </a:defRPr>
       </a:lvl8pPr>
-      <a:lvl9pPr marL="2331176" indent="-137128" algn="l" defTabSz="274257" rtl="0" eaLnBrk="1" latinLnBrk="0" hangingPunct="1">
+      <a:lvl9pPr marL="2331176" indent="-137128" algn="l" defTabSz="274258" rtl="0" eaLnBrk="1" latinLnBrk="0" hangingPunct="1">
         <a:spcBef>
           <a:spcPct val="20000"/>
         </a:spcBef>
@@ -2983,8 +2983,8 @@
       <a:defPPr>
         <a:defRPr lang="en-US"/>
       </a:defPPr>
-      <a:lvl1pPr marL="0" algn="l" defTabSz="274257" rtl="0" eaLnBrk="1" latinLnBrk="0" hangingPunct="1">
-        <a:defRPr sz="1100" kern="1200">
+      <a:lvl1pPr marL="0" algn="l" defTabSz="274258" rtl="0" eaLnBrk="1" latinLnBrk="0" hangingPunct="1">
+        <a:defRPr sz="1200" kern="1200">
           <a:solidFill>
             <a:schemeClr val="tx1"/>
           </a:solidFill>
@@ -2993,8 +2993,8 @@
           <a:cs typeface="+mn-cs"/>
         </a:defRPr>
       </a:lvl1pPr>
-      <a:lvl2pPr marL="274257" algn="l" defTabSz="274257" rtl="0" eaLnBrk="1" latinLnBrk="0" hangingPunct="1">
-        <a:defRPr sz="1100" kern="1200">
+      <a:lvl2pPr marL="274258" algn="l" defTabSz="274258" rtl="0" eaLnBrk="1" latinLnBrk="0" hangingPunct="1">
+        <a:defRPr sz="1200" kern="1200">
           <a:solidFill>
             <a:schemeClr val="tx1"/>
           </a:solidFill>
@@ -3003,8 +3003,8 @@
           <a:cs typeface="+mn-cs"/>
         </a:defRPr>
       </a:lvl2pPr>
-      <a:lvl3pPr marL="548512" algn="l" defTabSz="274257" rtl="0" eaLnBrk="1" latinLnBrk="0" hangingPunct="1">
-        <a:defRPr sz="1100" kern="1200">
+      <a:lvl3pPr marL="548512" algn="l" defTabSz="274258" rtl="0" eaLnBrk="1" latinLnBrk="0" hangingPunct="1">
+        <a:defRPr sz="1200" kern="1200">
           <a:solidFill>
             <a:schemeClr val="tx1"/>
           </a:solidFill>
@@ -3013,8 +3013,8 @@
           <a:cs typeface="+mn-cs"/>
         </a:defRPr>
       </a:lvl3pPr>
-      <a:lvl4pPr marL="822768" algn="l" defTabSz="274257" rtl="0" eaLnBrk="1" latinLnBrk="0" hangingPunct="1">
-        <a:defRPr sz="1100" kern="1200">
+      <a:lvl4pPr marL="822768" algn="l" defTabSz="274258" rtl="0" eaLnBrk="1" latinLnBrk="0" hangingPunct="1">
+        <a:defRPr sz="1200" kern="1200">
           <a:solidFill>
             <a:schemeClr val="tx1"/>
           </a:solidFill>
@@ -3023,8 +3023,8 @@
           <a:cs typeface="+mn-cs"/>
         </a:defRPr>
       </a:lvl4pPr>
-      <a:lvl5pPr marL="1097024" algn="l" defTabSz="274257" rtl="0" eaLnBrk="1" latinLnBrk="0" hangingPunct="1">
-        <a:defRPr sz="1100" kern="1200">
+      <a:lvl5pPr marL="1097024" algn="l" defTabSz="274258" rtl="0" eaLnBrk="1" latinLnBrk="0" hangingPunct="1">
+        <a:defRPr sz="1200" kern="1200">
           <a:solidFill>
             <a:schemeClr val="tx1"/>
           </a:solidFill>
@@ -3033,8 +3033,8 @@
           <a:cs typeface="+mn-cs"/>
         </a:defRPr>
       </a:lvl5pPr>
-      <a:lvl6pPr marL="1371280" algn="l" defTabSz="274257" rtl="0" eaLnBrk="1" latinLnBrk="0" hangingPunct="1">
-        <a:defRPr sz="1100" kern="1200">
+      <a:lvl6pPr marL="1371280" algn="l" defTabSz="274258" rtl="0" eaLnBrk="1" latinLnBrk="0" hangingPunct="1">
+        <a:defRPr sz="1200" kern="1200">
           <a:solidFill>
             <a:schemeClr val="tx1"/>
           </a:solidFill>
@@ -3043,8 +3043,8 @@
           <a:cs typeface="+mn-cs"/>
         </a:defRPr>
       </a:lvl6pPr>
-      <a:lvl7pPr marL="1645537" algn="l" defTabSz="274257" rtl="0" eaLnBrk="1" latinLnBrk="0" hangingPunct="1">
-        <a:defRPr sz="1100" kern="1200">
+      <a:lvl7pPr marL="1645538" algn="l" defTabSz="274258" rtl="0" eaLnBrk="1" latinLnBrk="0" hangingPunct="1">
+        <a:defRPr sz="1200" kern="1200">
           <a:solidFill>
             <a:schemeClr val="tx1"/>
           </a:solidFill>
@@ -3053,8 +3053,8 @@
           <a:cs typeface="+mn-cs"/>
         </a:defRPr>
       </a:lvl7pPr>
-      <a:lvl8pPr marL="1919792" algn="l" defTabSz="274257" rtl="0" eaLnBrk="1" latinLnBrk="0" hangingPunct="1">
-        <a:defRPr sz="1100" kern="1200">
+      <a:lvl8pPr marL="1919792" algn="l" defTabSz="274258" rtl="0" eaLnBrk="1" latinLnBrk="0" hangingPunct="1">
+        <a:defRPr sz="1200" kern="1200">
           <a:solidFill>
             <a:schemeClr val="tx1"/>
           </a:solidFill>
@@ -3063,8 +3063,8 @@
           <a:cs typeface="+mn-cs"/>
         </a:defRPr>
       </a:lvl8pPr>
-      <a:lvl9pPr marL="2194049" algn="l" defTabSz="274257" rtl="0" eaLnBrk="1" latinLnBrk="0" hangingPunct="1">
-        <a:defRPr sz="1100" kern="1200">
+      <a:lvl9pPr marL="2194050" algn="l" defTabSz="274258" rtl="0" eaLnBrk="1" latinLnBrk="0" hangingPunct="1">
+        <a:defRPr sz="1200" kern="1200">
           <a:solidFill>
             <a:schemeClr val="tx1"/>
           </a:solidFill>
@@ -3118,7 +3118,7 @@
         <p:spPr>
           <a:xfrm>
             <a:off x="-99790" y="1172580"/>
-            <a:ext cx="5424959" cy="2452208"/>
+            <a:ext cx="5424960" cy="2452208"/>
           </a:xfrm>
           <a:prstGeom prst="rect">
             <a:avLst/>
@@ -3133,8 +3133,8 @@
         </p:nvSpPr>
         <p:spPr>
           <a:xfrm rot="5400000">
-            <a:off x="1381872" y="-862965"/>
-            <a:ext cx="430887" cy="2029586"/>
+            <a:off x="1412650" y="-862965"/>
+            <a:ext cx="369332" cy="2029586"/>
           </a:xfrm>
           <a:prstGeom prst="rect">
             <a:avLst/>
@@ -3142,7 +3142,7 @@
           <a:noFill/>
         </p:spPr>
         <p:txBody>
-          <a:bodyPr vert="vert270" wrap="square" rtlCol="0">
+          <a:bodyPr vert="vert270" wrap="square" lIns="91440" tIns="45720" rIns="91440" bIns="45720" rtlCol="0">
             <a:spAutoFit/>
           </a:bodyPr>
           <a:lstStyle/>
@@ -3163,8 +3163,8 @@
         </p:nvSpPr>
         <p:spPr>
           <a:xfrm rot="5400000">
-            <a:off x="3515921" y="-869077"/>
-            <a:ext cx="430887" cy="2029586"/>
+            <a:off x="3546700" y="-869077"/>
+            <a:ext cx="369332" cy="2029586"/>
           </a:xfrm>
           <a:prstGeom prst="rect">
             <a:avLst/>
@@ -3172,7 +3172,7 @@
           <a:noFill/>
         </p:spPr>
         <p:txBody>
-          <a:bodyPr vert="vert270" wrap="square" rtlCol="0">
+          <a:bodyPr vert="vert270" wrap="square" lIns="91440" tIns="45720" rIns="91440" bIns="45720" rtlCol="0">
             <a:spAutoFit/>
           </a:bodyPr>
           <a:lstStyle/>
@@ -3193,8 +3193,8 @@
         </p:nvSpPr>
         <p:spPr>
           <a:xfrm rot="5400000">
-            <a:off x="1978279" y="4807"/>
-            <a:ext cx="143326" cy="226491"/>
+            <a:off x="1978281" y="4808"/>
+            <a:ext cx="143326" cy="226492"/>
           </a:xfrm>
           <a:prstGeom prst="rect">
             <a:avLst/>
@@ -3223,7 +3223,7 @@
           </a:fontRef>
         </p:style>
         <p:txBody>
-          <a:bodyPr rtlCol="0" anchor="ctr"/>
+          <a:bodyPr lIns="91440" tIns="45720" rIns="91440" bIns="45720" rtlCol="0" anchor="ctr"/>
           <a:lstStyle/>
           <a:p>
             <a:pPr algn="ctr"/>
@@ -3239,8 +3239,8 @@
         </p:nvSpPr>
         <p:spPr>
           <a:xfrm rot="5400000">
-            <a:off x="4037586" y="4807"/>
-            <a:ext cx="143326" cy="226491"/>
+            <a:off x="4037587" y="4808"/>
+            <a:ext cx="143326" cy="226492"/>
           </a:xfrm>
           <a:prstGeom prst="rect">
             <a:avLst/>
@@ -3269,7 +3269,7 @@
           </a:fontRef>
         </p:style>
         <p:txBody>
-          <a:bodyPr rtlCol="0" anchor="ctr"/>
+          <a:bodyPr lIns="91440" tIns="45720" rIns="91440" bIns="45720" rtlCol="0" anchor="ctr"/>
           <a:lstStyle/>
           <a:p>
             <a:pPr algn="ctr"/>
@@ -3299,8 +3299,8 @@
         </p:blipFill>
         <p:spPr>
           <a:xfrm>
-            <a:off x="591595" y="235066"/>
-            <a:ext cx="1041522" cy="1042999"/>
+            <a:off x="591597" y="235066"/>
+            <a:ext cx="1041522" cy="1043000"/>
           </a:xfrm>
           <a:prstGeom prst="rect">
             <a:avLst/>
@@ -3329,8 +3329,8 @@
         </p:blipFill>
         <p:spPr>
           <a:xfrm>
-            <a:off x="1667396" y="235066"/>
-            <a:ext cx="1041517" cy="1042999"/>
+            <a:off x="1667397" y="235066"/>
+            <a:ext cx="1041518" cy="1043000"/>
           </a:xfrm>
           <a:prstGeom prst="rect">
             <a:avLst/>
@@ -3359,8 +3359,8 @@
         </p:blipFill>
         <p:spPr>
           <a:xfrm>
-            <a:off x="2716571" y="235066"/>
-            <a:ext cx="1048242" cy="1045279"/>
+            <a:off x="2716573" y="235066"/>
+            <a:ext cx="1048242" cy="1045280"/>
           </a:xfrm>
           <a:prstGeom prst="rect">
             <a:avLst/>
@@ -3389,8 +3389,8 @@
         </p:blipFill>
         <p:spPr>
           <a:xfrm>
-            <a:off x="3782955" y="227280"/>
-            <a:ext cx="1052333" cy="1054581"/>
+            <a:off x="3782957" y="227281"/>
+            <a:ext cx="1052334" cy="1054582"/>
           </a:xfrm>
           <a:prstGeom prst="rect">
             <a:avLst/>

--- a/RA-L/pictures/pdf/newExperiment.pptx
+++ b/RA-L/pictures/pdf/newExperiment.pptx
@@ -13,8 +13,8 @@
     <a:defPPr>
       <a:defRPr lang="en-US"/>
     </a:defPPr>
-    <a:lvl1pPr marL="0" algn="l" defTabSz="274258" rtl="0" eaLnBrk="1" latinLnBrk="0" hangingPunct="1">
-      <a:defRPr sz="1200" kern="1200">
+    <a:lvl1pPr marL="0" algn="l" defTabSz="274257" rtl="0" eaLnBrk="1" latinLnBrk="0" hangingPunct="1">
+      <a:defRPr sz="1100" kern="1200">
         <a:solidFill>
           <a:schemeClr val="tx1"/>
         </a:solidFill>
@@ -23,8 +23,8 @@
         <a:cs typeface="+mn-cs"/>
       </a:defRPr>
     </a:lvl1pPr>
-    <a:lvl2pPr marL="274258" algn="l" defTabSz="274258" rtl="0" eaLnBrk="1" latinLnBrk="0" hangingPunct="1">
-      <a:defRPr sz="1200" kern="1200">
+    <a:lvl2pPr marL="274257" algn="l" defTabSz="274257" rtl="0" eaLnBrk="1" latinLnBrk="0" hangingPunct="1">
+      <a:defRPr sz="1100" kern="1200">
         <a:solidFill>
           <a:schemeClr val="tx1"/>
         </a:solidFill>
@@ -33,8 +33,8 @@
         <a:cs typeface="+mn-cs"/>
       </a:defRPr>
     </a:lvl2pPr>
-    <a:lvl3pPr marL="548512" algn="l" defTabSz="274258" rtl="0" eaLnBrk="1" latinLnBrk="0" hangingPunct="1">
-      <a:defRPr sz="1200" kern="1200">
+    <a:lvl3pPr marL="548512" algn="l" defTabSz="274257" rtl="0" eaLnBrk="1" latinLnBrk="0" hangingPunct="1">
+      <a:defRPr sz="1100" kern="1200">
         <a:solidFill>
           <a:schemeClr val="tx1"/>
         </a:solidFill>
@@ -43,8 +43,8 @@
         <a:cs typeface="+mn-cs"/>
       </a:defRPr>
     </a:lvl3pPr>
-    <a:lvl4pPr marL="822768" algn="l" defTabSz="274258" rtl="0" eaLnBrk="1" latinLnBrk="0" hangingPunct="1">
-      <a:defRPr sz="1200" kern="1200">
+    <a:lvl4pPr marL="822768" algn="l" defTabSz="274257" rtl="0" eaLnBrk="1" latinLnBrk="0" hangingPunct="1">
+      <a:defRPr sz="1100" kern="1200">
         <a:solidFill>
           <a:schemeClr val="tx1"/>
         </a:solidFill>
@@ -53,8 +53,8 @@
         <a:cs typeface="+mn-cs"/>
       </a:defRPr>
     </a:lvl4pPr>
-    <a:lvl5pPr marL="1097024" algn="l" defTabSz="274258" rtl="0" eaLnBrk="1" latinLnBrk="0" hangingPunct="1">
-      <a:defRPr sz="1200" kern="1200">
+    <a:lvl5pPr marL="1097024" algn="l" defTabSz="274257" rtl="0" eaLnBrk="1" latinLnBrk="0" hangingPunct="1">
+      <a:defRPr sz="1100" kern="1200">
         <a:solidFill>
           <a:schemeClr val="tx1"/>
         </a:solidFill>
@@ -63,8 +63,8 @@
         <a:cs typeface="+mn-cs"/>
       </a:defRPr>
     </a:lvl5pPr>
-    <a:lvl6pPr marL="1371280" algn="l" defTabSz="274258" rtl="0" eaLnBrk="1" latinLnBrk="0" hangingPunct="1">
-      <a:defRPr sz="1200" kern="1200">
+    <a:lvl6pPr marL="1371280" algn="l" defTabSz="274257" rtl="0" eaLnBrk="1" latinLnBrk="0" hangingPunct="1">
+      <a:defRPr sz="1100" kern="1200">
         <a:solidFill>
           <a:schemeClr val="tx1"/>
         </a:solidFill>
@@ -73,8 +73,8 @@
         <a:cs typeface="+mn-cs"/>
       </a:defRPr>
     </a:lvl6pPr>
-    <a:lvl7pPr marL="1645538" algn="l" defTabSz="274258" rtl="0" eaLnBrk="1" latinLnBrk="0" hangingPunct="1">
-      <a:defRPr sz="1200" kern="1200">
+    <a:lvl7pPr marL="1645537" algn="l" defTabSz="274257" rtl="0" eaLnBrk="1" latinLnBrk="0" hangingPunct="1">
+      <a:defRPr sz="1100" kern="1200">
         <a:solidFill>
           <a:schemeClr val="tx1"/>
         </a:solidFill>
@@ -83,8 +83,8 @@
         <a:cs typeface="+mn-cs"/>
       </a:defRPr>
     </a:lvl7pPr>
-    <a:lvl8pPr marL="1919792" algn="l" defTabSz="274258" rtl="0" eaLnBrk="1" latinLnBrk="0" hangingPunct="1">
-      <a:defRPr sz="1200" kern="1200">
+    <a:lvl8pPr marL="1919792" algn="l" defTabSz="274257" rtl="0" eaLnBrk="1" latinLnBrk="0" hangingPunct="1">
+      <a:defRPr sz="1100" kern="1200">
         <a:solidFill>
           <a:schemeClr val="tx1"/>
         </a:solidFill>
@@ -93,8 +93,8 @@
         <a:cs typeface="+mn-cs"/>
       </a:defRPr>
     </a:lvl8pPr>
-    <a:lvl9pPr marL="2194050" algn="l" defTabSz="274258" rtl="0" eaLnBrk="1" latinLnBrk="0" hangingPunct="1">
-      <a:defRPr sz="1200" kern="1200">
+    <a:lvl9pPr marL="2194049" algn="l" defTabSz="274257" rtl="0" eaLnBrk="1" latinLnBrk="0" hangingPunct="1">
+      <a:defRPr sz="1100" kern="1200">
         <a:solidFill>
           <a:schemeClr val="tx1"/>
         </a:solidFill>
@@ -136,8 +136,8 @@
         </p:nvSpPr>
         <p:spPr>
           <a:xfrm>
-            <a:off x="377190" y="1136231"/>
-            <a:ext cx="4274820" cy="784014"/>
+            <a:off x="377190" y="1136230"/>
+            <a:ext cx="4274820" cy="784013"/>
           </a:xfrm>
         </p:spPr>
         <p:txBody>
@@ -181,7 +181,7 @@
                 </a:solidFill>
               </a:defRPr>
             </a:lvl1pPr>
-            <a:lvl2pPr marL="274258" indent="0" algn="ctr">
+            <a:lvl2pPr marL="274257" indent="0" algn="ctr">
               <a:buNone/>
               <a:defRPr>
                 <a:solidFill>
@@ -231,7 +231,7 @@
                 </a:solidFill>
               </a:defRPr>
             </a:lvl6pPr>
-            <a:lvl7pPr marL="1645538" indent="0" algn="ctr">
+            <a:lvl7pPr marL="1645537" indent="0" algn="ctr">
               <a:buNone/>
               <a:defRPr>
                 <a:solidFill>
@@ -251,7 +251,7 @@
                 </a:solidFill>
               </a:defRPr>
             </a:lvl8pPr>
-            <a:lvl9pPr marL="2194050" indent="0" algn="ctr">
+            <a:lvl9pPr marL="2194049" indent="0" algn="ctr">
               <a:buNone/>
               <a:defRPr>
                 <a:solidFill>
@@ -548,8 +548,8 @@
         </p:nvSpPr>
         <p:spPr>
           <a:xfrm>
-            <a:off x="3646171" y="146479"/>
-            <a:ext cx="1131570" cy="3120814"/>
+            <a:off x="3646170" y="146478"/>
+            <a:ext cx="1131570" cy="3120813"/>
           </a:xfrm>
         </p:spPr>
         <p:txBody>
@@ -576,8 +576,8 @@
         </p:nvSpPr>
         <p:spPr>
           <a:xfrm>
-            <a:off x="251461" y="146479"/>
-            <a:ext cx="3310890" cy="3120814"/>
+            <a:off x="251460" y="146478"/>
+            <a:ext cx="3310890" cy="3120813"/>
           </a:xfrm>
         </p:spPr>
         <p:txBody>
@@ -898,7 +898,7 @@
         </p:nvSpPr>
         <p:spPr>
           <a:xfrm>
-            <a:off x="397272" y="2350350"/>
+            <a:off x="397272" y="2350349"/>
             <a:ext cx="4274820" cy="726440"/>
           </a:xfrm>
         </p:spPr>
@@ -930,8 +930,8 @@
         </p:nvSpPr>
         <p:spPr>
           <a:xfrm>
-            <a:off x="397272" y="1550251"/>
-            <a:ext cx="4274820" cy="800102"/>
+            <a:off x="397272" y="1550250"/>
+            <a:ext cx="4274820" cy="800101"/>
           </a:xfrm>
         </p:spPr>
         <p:txBody>
@@ -947,9 +947,9 @@
                 </a:solidFill>
               </a:defRPr>
             </a:lvl1pPr>
-            <a:lvl2pPr marL="274258" indent="0">
-              <a:buNone/>
-              <a:defRPr sz="1200">
+            <a:lvl2pPr marL="274257" indent="0">
+              <a:buNone/>
+              <a:defRPr sz="1100">
                 <a:solidFill>
                   <a:schemeClr val="tx1">
                     <a:tint val="75000"/>
@@ -959,7 +959,7 @@
             </a:lvl2pPr>
             <a:lvl3pPr marL="548512" indent="0">
               <a:buNone/>
-              <a:defRPr sz="1000">
+              <a:defRPr sz="900">
                 <a:solidFill>
                   <a:schemeClr val="tx1">
                     <a:tint val="75000"/>
@@ -997,7 +997,7 @@
                 </a:solidFill>
               </a:defRPr>
             </a:lvl6pPr>
-            <a:lvl7pPr marL="1645538" indent="0">
+            <a:lvl7pPr marL="1645537" indent="0">
               <a:buNone/>
               <a:defRPr sz="800">
                 <a:solidFill>
@@ -1017,7 +1017,7 @@
                 </a:solidFill>
               </a:defRPr>
             </a:lvl8pPr>
-            <a:lvl9pPr marL="2194050" indent="0">
+            <a:lvl9pPr marL="2194049" indent="0">
               <a:buNone/>
               <a:defRPr sz="800">
                 <a:solidFill>
@@ -1167,39 +1167,39 @@
         </p:nvSpPr>
         <p:spPr>
           <a:xfrm>
-            <a:off x="251461" y="853446"/>
-            <a:ext cx="2221230" cy="2413848"/>
+            <a:off x="251460" y="853445"/>
+            <a:ext cx="2221230" cy="2413847"/>
           </a:xfrm>
         </p:spPr>
         <p:txBody>
           <a:bodyPr/>
           <a:lstStyle>
             <a:lvl1pPr>
-              <a:defRPr sz="1800"/>
+              <a:defRPr sz="1700"/>
             </a:lvl1pPr>
             <a:lvl2pPr>
-              <a:defRPr sz="1600"/>
+              <a:defRPr sz="1500"/>
             </a:lvl2pPr>
             <a:lvl3pPr>
               <a:defRPr sz="1200"/>
             </a:lvl3pPr>
             <a:lvl4pPr>
-              <a:defRPr sz="1200"/>
+              <a:defRPr sz="1100"/>
             </a:lvl4pPr>
             <a:lvl5pPr>
-              <a:defRPr sz="1200"/>
+              <a:defRPr sz="1100"/>
             </a:lvl5pPr>
             <a:lvl6pPr>
-              <a:defRPr sz="1200"/>
+              <a:defRPr sz="1100"/>
             </a:lvl6pPr>
             <a:lvl7pPr>
-              <a:defRPr sz="1200"/>
+              <a:defRPr sz="1100"/>
             </a:lvl7pPr>
             <a:lvl8pPr>
-              <a:defRPr sz="1200"/>
+              <a:defRPr sz="1100"/>
             </a:lvl8pPr>
             <a:lvl9pPr>
-              <a:defRPr sz="1200"/>
+              <a:defRPr sz="1100"/>
             </a:lvl9pPr>
           </a:lstStyle>
           <a:p>
@@ -1252,39 +1252,39 @@
         </p:nvSpPr>
         <p:spPr>
           <a:xfrm>
-            <a:off x="2556511" y="853446"/>
-            <a:ext cx="2221230" cy="2413848"/>
+            <a:off x="2556510" y="853445"/>
+            <a:ext cx="2221230" cy="2413847"/>
           </a:xfrm>
         </p:spPr>
         <p:txBody>
           <a:bodyPr/>
           <a:lstStyle>
             <a:lvl1pPr>
-              <a:defRPr sz="1800"/>
+              <a:defRPr sz="1700"/>
             </a:lvl1pPr>
             <a:lvl2pPr>
-              <a:defRPr sz="1600"/>
+              <a:defRPr sz="1500"/>
             </a:lvl2pPr>
             <a:lvl3pPr>
               <a:defRPr sz="1200"/>
             </a:lvl3pPr>
             <a:lvl4pPr>
-              <a:defRPr sz="1200"/>
+              <a:defRPr sz="1100"/>
             </a:lvl4pPr>
             <a:lvl5pPr>
-              <a:defRPr sz="1200"/>
+              <a:defRPr sz="1100"/>
             </a:lvl5pPr>
             <a:lvl6pPr>
-              <a:defRPr sz="1200"/>
+              <a:defRPr sz="1100"/>
             </a:lvl6pPr>
             <a:lvl7pPr>
-              <a:defRPr sz="1200"/>
+              <a:defRPr sz="1100"/>
             </a:lvl7pPr>
             <a:lvl8pPr>
-              <a:defRPr sz="1200"/>
+              <a:defRPr sz="1100"/>
             </a:lvl8pPr>
             <a:lvl9pPr>
-              <a:defRPr sz="1200"/>
+              <a:defRPr sz="1100"/>
             </a:lvl9pPr>
           </a:lstStyle>
           <a:p>
@@ -1459,8 +1459,8 @@
         </p:nvSpPr>
         <p:spPr>
           <a:xfrm>
-            <a:off x="251467" y="818732"/>
-            <a:ext cx="2222106" cy="341208"/>
+            <a:off x="251466" y="818731"/>
+            <a:ext cx="2222105" cy="341207"/>
           </a:xfrm>
         </p:spPr>
         <p:txBody>
@@ -1468,39 +1468,39 @@
           <a:lstStyle>
             <a:lvl1pPr marL="0" indent="0">
               <a:buNone/>
-              <a:defRPr sz="1600" b="1"/>
+              <a:defRPr sz="1500" b="1"/>
             </a:lvl1pPr>
-            <a:lvl2pPr marL="274258" indent="0">
+            <a:lvl2pPr marL="274257" indent="0">
               <a:buNone/>
               <a:defRPr sz="1200" b="1"/>
             </a:lvl2pPr>
             <a:lvl3pPr marL="548512" indent="0">
               <a:buNone/>
-              <a:defRPr sz="1200" b="1"/>
+              <a:defRPr sz="1100" b="1"/>
             </a:lvl3pPr>
             <a:lvl4pPr marL="822768" indent="0">
               <a:buNone/>
-              <a:defRPr sz="1000" b="1"/>
+              <a:defRPr sz="900" b="1"/>
             </a:lvl4pPr>
             <a:lvl5pPr marL="1097024" indent="0">
               <a:buNone/>
-              <a:defRPr sz="1000" b="1"/>
+              <a:defRPr sz="900" b="1"/>
             </a:lvl5pPr>
             <a:lvl6pPr marL="1371280" indent="0">
               <a:buNone/>
-              <a:defRPr sz="1000" b="1"/>
+              <a:defRPr sz="900" b="1"/>
             </a:lvl6pPr>
-            <a:lvl7pPr marL="1645538" indent="0">
-              <a:buNone/>
-              <a:defRPr sz="1000" b="1"/>
+            <a:lvl7pPr marL="1645537" indent="0">
+              <a:buNone/>
+              <a:defRPr sz="900" b="1"/>
             </a:lvl7pPr>
             <a:lvl8pPr marL="1919792" indent="0">
               <a:buNone/>
-              <a:defRPr sz="1000" b="1"/>
+              <a:defRPr sz="900" b="1"/>
             </a:lvl8pPr>
-            <a:lvl9pPr marL="2194050" indent="0">
-              <a:buNone/>
-              <a:defRPr sz="1000" b="1"/>
+            <a:lvl9pPr marL="2194049" indent="0">
+              <a:buNone/>
+              <a:defRPr sz="900" b="1"/>
             </a:lvl9pPr>
           </a:lstStyle>
           <a:p>
@@ -1524,39 +1524,39 @@
         </p:nvSpPr>
         <p:spPr>
           <a:xfrm>
-            <a:off x="251467" y="1159938"/>
-            <a:ext cx="2222106" cy="2107356"/>
+            <a:off x="251466" y="1159937"/>
+            <a:ext cx="2222105" cy="2107355"/>
           </a:xfrm>
         </p:spPr>
         <p:txBody>
           <a:bodyPr/>
           <a:lstStyle>
             <a:lvl1pPr>
-              <a:defRPr sz="1600"/>
+              <a:defRPr sz="1500"/>
             </a:lvl1pPr>
             <a:lvl2pPr>
               <a:defRPr sz="1200"/>
             </a:lvl2pPr>
             <a:lvl3pPr>
-              <a:defRPr sz="1200"/>
+              <a:defRPr sz="1100"/>
             </a:lvl3pPr>
             <a:lvl4pPr>
-              <a:defRPr sz="1000"/>
+              <a:defRPr sz="900"/>
             </a:lvl4pPr>
             <a:lvl5pPr>
-              <a:defRPr sz="1000"/>
+              <a:defRPr sz="900"/>
             </a:lvl5pPr>
             <a:lvl6pPr>
-              <a:defRPr sz="1000"/>
+              <a:defRPr sz="900"/>
             </a:lvl6pPr>
             <a:lvl7pPr>
-              <a:defRPr sz="1000"/>
+              <a:defRPr sz="900"/>
             </a:lvl7pPr>
             <a:lvl8pPr>
-              <a:defRPr sz="1000"/>
+              <a:defRPr sz="900"/>
             </a:lvl8pPr>
             <a:lvl9pPr>
-              <a:defRPr sz="1000"/>
+              <a:defRPr sz="900"/>
             </a:lvl9pPr>
           </a:lstStyle>
           <a:p>
@@ -1609,8 +1609,8 @@
         </p:nvSpPr>
         <p:spPr>
           <a:xfrm>
-            <a:off x="2554767" y="818732"/>
-            <a:ext cx="2222978" cy="341208"/>
+            <a:off x="2554765" y="818731"/>
+            <a:ext cx="2222978" cy="341207"/>
           </a:xfrm>
         </p:spPr>
         <p:txBody>
@@ -1618,39 +1618,39 @@
           <a:lstStyle>
             <a:lvl1pPr marL="0" indent="0">
               <a:buNone/>
-              <a:defRPr sz="1600" b="1"/>
+              <a:defRPr sz="1500" b="1"/>
             </a:lvl1pPr>
-            <a:lvl2pPr marL="274258" indent="0">
+            <a:lvl2pPr marL="274257" indent="0">
               <a:buNone/>
               <a:defRPr sz="1200" b="1"/>
             </a:lvl2pPr>
             <a:lvl3pPr marL="548512" indent="0">
               <a:buNone/>
-              <a:defRPr sz="1200" b="1"/>
+              <a:defRPr sz="1100" b="1"/>
             </a:lvl3pPr>
             <a:lvl4pPr marL="822768" indent="0">
               <a:buNone/>
-              <a:defRPr sz="1000" b="1"/>
+              <a:defRPr sz="900" b="1"/>
             </a:lvl4pPr>
             <a:lvl5pPr marL="1097024" indent="0">
               <a:buNone/>
-              <a:defRPr sz="1000" b="1"/>
+              <a:defRPr sz="900" b="1"/>
             </a:lvl5pPr>
             <a:lvl6pPr marL="1371280" indent="0">
               <a:buNone/>
-              <a:defRPr sz="1000" b="1"/>
+              <a:defRPr sz="900" b="1"/>
             </a:lvl6pPr>
-            <a:lvl7pPr marL="1645538" indent="0">
-              <a:buNone/>
-              <a:defRPr sz="1000" b="1"/>
+            <a:lvl7pPr marL="1645537" indent="0">
+              <a:buNone/>
+              <a:defRPr sz="900" b="1"/>
             </a:lvl7pPr>
             <a:lvl8pPr marL="1919792" indent="0">
               <a:buNone/>
-              <a:defRPr sz="1000" b="1"/>
+              <a:defRPr sz="900" b="1"/>
             </a:lvl8pPr>
-            <a:lvl9pPr marL="2194050" indent="0">
-              <a:buNone/>
-              <a:defRPr sz="1000" b="1"/>
+            <a:lvl9pPr marL="2194049" indent="0">
+              <a:buNone/>
+              <a:defRPr sz="900" b="1"/>
             </a:lvl9pPr>
           </a:lstStyle>
           <a:p>
@@ -1674,39 +1674,39 @@
         </p:nvSpPr>
         <p:spPr>
           <a:xfrm>
-            <a:off x="2554767" y="1159938"/>
-            <a:ext cx="2222978" cy="2107356"/>
+            <a:off x="2554765" y="1159937"/>
+            <a:ext cx="2222978" cy="2107355"/>
           </a:xfrm>
         </p:spPr>
         <p:txBody>
           <a:bodyPr/>
           <a:lstStyle>
             <a:lvl1pPr>
-              <a:defRPr sz="1600"/>
+              <a:defRPr sz="1500"/>
             </a:lvl1pPr>
             <a:lvl2pPr>
               <a:defRPr sz="1200"/>
             </a:lvl2pPr>
             <a:lvl3pPr>
-              <a:defRPr sz="1200"/>
+              <a:defRPr sz="1100"/>
             </a:lvl3pPr>
             <a:lvl4pPr>
-              <a:defRPr sz="1000"/>
+              <a:defRPr sz="900"/>
             </a:lvl4pPr>
             <a:lvl5pPr>
-              <a:defRPr sz="1000"/>
+              <a:defRPr sz="900"/>
             </a:lvl5pPr>
             <a:lvl6pPr>
-              <a:defRPr sz="1000"/>
+              <a:defRPr sz="900"/>
             </a:lvl6pPr>
             <a:lvl7pPr>
-              <a:defRPr sz="1000"/>
+              <a:defRPr sz="900"/>
             </a:lvl7pPr>
             <a:lvl8pPr>
-              <a:defRPr sz="1000"/>
+              <a:defRPr sz="900"/>
             </a:lvl8pPr>
             <a:lvl9pPr>
-              <a:defRPr sz="1000"/>
+              <a:defRPr sz="900"/>
             </a:lvl9pPr>
           </a:lstStyle>
           <a:p>
@@ -2067,7 +2067,7 @@
         </p:nvSpPr>
         <p:spPr>
           <a:xfrm>
-            <a:off x="251468" y="145628"/>
+            <a:off x="251467" y="145628"/>
             <a:ext cx="1654572" cy="619760"/>
           </a:xfrm>
         </p:spPr>
@@ -2099,8 +2099,8 @@
         </p:nvSpPr>
         <p:spPr>
           <a:xfrm>
-            <a:off x="1966278" y="145631"/>
-            <a:ext cx="2811464" cy="3121662"/>
+            <a:off x="1966279" y="145630"/>
+            <a:ext cx="2811463" cy="3121661"/>
           </a:xfrm>
         </p:spPr>
         <p:txBody>
@@ -2110,10 +2110,10 @@
               <a:defRPr sz="2000"/>
             </a:lvl1pPr>
             <a:lvl2pPr>
-              <a:defRPr sz="1800"/>
+              <a:defRPr sz="1700"/>
             </a:lvl2pPr>
             <a:lvl3pPr>
-              <a:defRPr sz="1600"/>
+              <a:defRPr sz="1500"/>
             </a:lvl3pPr>
             <a:lvl4pPr>
               <a:defRPr sz="1200"/>
@@ -2184,8 +2184,8 @@
         </p:nvSpPr>
         <p:spPr>
           <a:xfrm>
-            <a:off x="251468" y="765391"/>
-            <a:ext cx="1654572" cy="2501902"/>
+            <a:off x="251467" y="765390"/>
+            <a:ext cx="1654572" cy="2501901"/>
           </a:xfrm>
         </p:spPr>
         <p:txBody>
@@ -2195,37 +2195,37 @@
               <a:buNone/>
               <a:defRPr sz="800"/>
             </a:lvl1pPr>
-            <a:lvl2pPr marL="274258" indent="0">
-              <a:buNone/>
-              <a:defRPr sz="800"/>
+            <a:lvl2pPr marL="274257" indent="0">
+              <a:buNone/>
+              <a:defRPr sz="700"/>
             </a:lvl2pPr>
             <a:lvl3pPr marL="548512" indent="0">
               <a:buNone/>
-              <a:defRPr sz="800"/>
+              <a:defRPr sz="700"/>
             </a:lvl3pPr>
             <a:lvl4pPr marL="822768" indent="0">
               <a:buNone/>
-              <a:defRPr sz="600"/>
+              <a:defRPr sz="500"/>
             </a:lvl4pPr>
             <a:lvl5pPr marL="1097024" indent="0">
               <a:buNone/>
-              <a:defRPr sz="600"/>
+              <a:defRPr sz="500"/>
             </a:lvl5pPr>
             <a:lvl6pPr marL="1371280" indent="0">
               <a:buNone/>
-              <a:defRPr sz="600"/>
+              <a:defRPr sz="500"/>
             </a:lvl6pPr>
-            <a:lvl7pPr marL="1645538" indent="0">
-              <a:buNone/>
-              <a:defRPr sz="600"/>
+            <a:lvl7pPr marL="1645537" indent="0">
+              <a:buNone/>
+              <a:defRPr sz="500"/>
             </a:lvl7pPr>
             <a:lvl8pPr marL="1919792" indent="0">
               <a:buNone/>
-              <a:defRPr sz="600"/>
+              <a:defRPr sz="500"/>
             </a:lvl8pPr>
-            <a:lvl9pPr marL="2194050" indent="0">
-              <a:buNone/>
-              <a:defRPr sz="600"/>
+            <a:lvl9pPr marL="2194049" indent="0">
+              <a:buNone/>
+              <a:defRPr sz="500"/>
             </a:lvl9pPr>
           </a:lstStyle>
           <a:p>
@@ -2344,8 +2344,8 @@
         </p:nvSpPr>
         <p:spPr>
           <a:xfrm>
-            <a:off x="985760" y="2560323"/>
-            <a:ext cx="3017520" cy="302262"/>
+            <a:off x="985760" y="2560322"/>
+            <a:ext cx="3017520" cy="302261"/>
           </a:xfrm>
         </p:spPr>
         <p:txBody>
@@ -2376,7 +2376,7 @@
         </p:nvSpPr>
         <p:spPr>
           <a:xfrm>
-            <a:off x="985760" y="326814"/>
+            <a:off x="985760" y="326813"/>
             <a:ext cx="3017520" cy="2194560"/>
           </a:xfrm>
         </p:spPr>
@@ -2387,13 +2387,13 @@
               <a:buNone/>
               <a:defRPr sz="2000"/>
             </a:lvl1pPr>
-            <a:lvl2pPr marL="274258" indent="0">
-              <a:buNone/>
-              <a:defRPr sz="1800"/>
+            <a:lvl2pPr marL="274257" indent="0">
+              <a:buNone/>
+              <a:defRPr sz="1700"/>
             </a:lvl2pPr>
             <a:lvl3pPr marL="548512" indent="0">
               <a:buNone/>
-              <a:defRPr sz="1600"/>
+              <a:defRPr sz="1500"/>
             </a:lvl3pPr>
             <a:lvl4pPr marL="822768" indent="0">
               <a:buNone/>
@@ -2407,7 +2407,7 @@
               <a:buNone/>
               <a:defRPr sz="1200"/>
             </a:lvl6pPr>
-            <a:lvl7pPr marL="1645538" indent="0">
+            <a:lvl7pPr marL="1645537" indent="0">
               <a:buNone/>
               <a:defRPr sz="1200"/>
             </a:lvl7pPr>
@@ -2415,7 +2415,7 @@
               <a:buNone/>
               <a:defRPr sz="1200"/>
             </a:lvl8pPr>
-            <a:lvl9pPr marL="2194050" indent="0">
+            <a:lvl9pPr marL="2194049" indent="0">
               <a:buNone/>
               <a:defRPr sz="1200"/>
             </a:lvl9pPr>
@@ -2437,8 +2437,8 @@
         </p:nvSpPr>
         <p:spPr>
           <a:xfrm>
-            <a:off x="985760" y="2862585"/>
-            <a:ext cx="3017520" cy="429262"/>
+            <a:off x="985760" y="2862584"/>
+            <a:ext cx="3017520" cy="429261"/>
           </a:xfrm>
         </p:spPr>
         <p:txBody>
@@ -2448,37 +2448,37 @@
               <a:buNone/>
               <a:defRPr sz="800"/>
             </a:lvl1pPr>
-            <a:lvl2pPr marL="274258" indent="0">
-              <a:buNone/>
-              <a:defRPr sz="800"/>
+            <a:lvl2pPr marL="274257" indent="0">
+              <a:buNone/>
+              <a:defRPr sz="700"/>
             </a:lvl2pPr>
             <a:lvl3pPr marL="548512" indent="0">
               <a:buNone/>
-              <a:defRPr sz="800"/>
+              <a:defRPr sz="700"/>
             </a:lvl3pPr>
             <a:lvl4pPr marL="822768" indent="0">
               <a:buNone/>
-              <a:defRPr sz="600"/>
+              <a:defRPr sz="500"/>
             </a:lvl4pPr>
             <a:lvl5pPr marL="1097024" indent="0">
               <a:buNone/>
-              <a:defRPr sz="600"/>
+              <a:defRPr sz="500"/>
             </a:lvl5pPr>
             <a:lvl6pPr marL="1371280" indent="0">
               <a:buNone/>
-              <a:defRPr sz="600"/>
+              <a:defRPr sz="500"/>
             </a:lvl6pPr>
-            <a:lvl7pPr marL="1645538" indent="0">
-              <a:buNone/>
-              <a:defRPr sz="600"/>
+            <a:lvl7pPr marL="1645537" indent="0">
+              <a:buNone/>
+              <a:defRPr sz="500"/>
             </a:lvl7pPr>
             <a:lvl8pPr marL="1919792" indent="0">
               <a:buNone/>
-              <a:defRPr sz="600"/>
+              <a:defRPr sz="500"/>
             </a:lvl8pPr>
-            <a:lvl9pPr marL="2194050" indent="0">
-              <a:buNone/>
-              <a:defRPr sz="600"/>
+            <a:lvl9pPr marL="2194049" indent="0">
+              <a:buNone/>
+              <a:defRPr sz="500"/>
             </a:lvl9pPr>
           </a:lstStyle>
           <a:p>
@@ -2602,7 +2602,7 @@
         </p:nvSpPr>
         <p:spPr>
           <a:xfrm>
-            <a:off x="251460" y="146476"/>
+            <a:off x="251460" y="146475"/>
             <a:ext cx="4526280" cy="609600"/>
           </a:xfrm>
           <a:prstGeom prst="rect">
@@ -2635,8 +2635,8 @@
         </p:nvSpPr>
         <p:spPr>
           <a:xfrm>
-            <a:off x="251460" y="853446"/>
-            <a:ext cx="4526280" cy="2413848"/>
+            <a:off x="251460" y="853445"/>
+            <a:ext cx="4526280" cy="2413847"/>
           </a:xfrm>
           <a:prstGeom prst="rect">
             <a:avLst/>
@@ -2697,8 +2697,8 @@
         </p:nvSpPr>
         <p:spPr>
           <a:xfrm>
-            <a:off x="251460" y="3390059"/>
-            <a:ext cx="1173480" cy="194734"/>
+            <a:off x="251460" y="3390058"/>
+            <a:ext cx="1173480" cy="194733"/>
           </a:xfrm>
           <a:prstGeom prst="rect">
             <a:avLst/>
@@ -2708,7 +2708,7 @@
           <a:bodyPr vert="horz" lIns="54852" tIns="27426" rIns="54852" bIns="27426" rtlCol="0" anchor="ctr"/>
           <a:lstStyle>
             <a:lvl1pPr algn="l">
-              <a:defRPr sz="800">
+              <a:defRPr sz="700">
                 <a:solidFill>
                   <a:schemeClr val="tx1">
                     <a:tint val="75000"/>
@@ -2738,8 +2738,8 @@
         </p:nvSpPr>
         <p:spPr>
           <a:xfrm>
-            <a:off x="1718310" y="3390059"/>
-            <a:ext cx="1592580" cy="194734"/>
+            <a:off x="1718310" y="3390058"/>
+            <a:ext cx="1592580" cy="194733"/>
           </a:xfrm>
           <a:prstGeom prst="rect">
             <a:avLst/>
@@ -2749,7 +2749,7 @@
           <a:bodyPr vert="horz" lIns="54852" tIns="27426" rIns="54852" bIns="27426" rtlCol="0" anchor="ctr"/>
           <a:lstStyle>
             <a:lvl1pPr algn="ctr">
-              <a:defRPr sz="800">
+              <a:defRPr sz="700">
                 <a:solidFill>
                   <a:schemeClr val="tx1">
                     <a:tint val="75000"/>
@@ -2775,8 +2775,8 @@
         </p:nvSpPr>
         <p:spPr>
           <a:xfrm>
-            <a:off x="3604260" y="3390059"/>
-            <a:ext cx="1173480" cy="194734"/>
+            <a:off x="3604260" y="3390058"/>
+            <a:ext cx="1173480" cy="194733"/>
           </a:xfrm>
           <a:prstGeom prst="rect">
             <a:avLst/>
@@ -2786,7 +2786,7 @@
           <a:bodyPr vert="horz" lIns="54852" tIns="27426" rIns="54852" bIns="27426" rtlCol="0" anchor="ctr"/>
           <a:lstStyle>
             <a:lvl1pPr algn="r">
-              <a:defRPr sz="800">
+              <a:defRPr sz="700">
                 <a:solidFill>
                   <a:schemeClr val="tx1">
                     <a:tint val="75000"/>
@@ -2827,12 +2827,12 @@
   </p:sldLayoutIdLst>
   <p:txStyles>
     <p:titleStyle>
-      <a:lvl1pPr algn="ctr" defTabSz="274258" rtl="0" eaLnBrk="1" latinLnBrk="0" hangingPunct="1">
+      <a:lvl1pPr algn="ctr" defTabSz="274257" rtl="0" eaLnBrk="1" latinLnBrk="0" hangingPunct="1">
         <a:spcBef>
           <a:spcPct val="0"/>
         </a:spcBef>
         <a:buNone/>
-        <a:defRPr sz="2800" kern="1200">
+        <a:defRPr sz="2700" kern="1200">
           <a:solidFill>
             <a:schemeClr val="tx1"/>
           </a:solidFill>
@@ -2843,7 +2843,7 @@
       </a:lvl1pPr>
     </p:titleStyle>
     <p:bodyStyle>
-      <a:lvl1pPr marL="205692" indent="-205692" algn="l" defTabSz="274258" rtl="0" eaLnBrk="1" latinLnBrk="0" hangingPunct="1">
+      <a:lvl1pPr marL="205691" indent="-205691" algn="l" defTabSz="274257" rtl="0" eaLnBrk="1" latinLnBrk="0" hangingPunct="1">
         <a:spcBef>
           <a:spcPct val="20000"/>
         </a:spcBef>
@@ -2858,13 +2858,13 @@
           <a:cs typeface="+mn-cs"/>
         </a:defRPr>
       </a:lvl1pPr>
-      <a:lvl2pPr marL="445666" indent="-171410" algn="l" defTabSz="274258" rtl="0" eaLnBrk="1" latinLnBrk="0" hangingPunct="1">
+      <a:lvl2pPr marL="445665" indent="-171410" algn="l" defTabSz="274257" rtl="0" eaLnBrk="1" latinLnBrk="0" hangingPunct="1">
         <a:spcBef>
           <a:spcPct val="20000"/>
         </a:spcBef>
         <a:buFont typeface="Arial"/>
         <a:buChar char="–"/>
-        <a:defRPr sz="1800" kern="1200">
+        <a:defRPr sz="1700" kern="1200">
           <a:solidFill>
             <a:schemeClr val="tx1"/>
           </a:solidFill>
@@ -2873,13 +2873,13 @@
           <a:cs typeface="+mn-cs"/>
         </a:defRPr>
       </a:lvl2pPr>
-      <a:lvl3pPr marL="685640" indent="-137128" algn="l" defTabSz="274258" rtl="0" eaLnBrk="1" latinLnBrk="0" hangingPunct="1">
+      <a:lvl3pPr marL="685639" indent="-137128" algn="l" defTabSz="274257" rtl="0" eaLnBrk="1" latinLnBrk="0" hangingPunct="1">
         <a:spcBef>
           <a:spcPct val="20000"/>
         </a:spcBef>
         <a:buFont typeface="Arial"/>
         <a:buChar char="•"/>
-        <a:defRPr sz="1600" kern="1200">
+        <a:defRPr sz="1500" kern="1200">
           <a:solidFill>
             <a:schemeClr val="tx1"/>
           </a:solidFill>
@@ -2888,7 +2888,7 @@
           <a:cs typeface="+mn-cs"/>
         </a:defRPr>
       </a:lvl3pPr>
-      <a:lvl4pPr marL="959898" indent="-137128" algn="l" defTabSz="274258" rtl="0" eaLnBrk="1" latinLnBrk="0" hangingPunct="1">
+      <a:lvl4pPr marL="959897" indent="-137128" algn="l" defTabSz="274257" rtl="0" eaLnBrk="1" latinLnBrk="0" hangingPunct="1">
         <a:spcBef>
           <a:spcPct val="20000"/>
         </a:spcBef>
@@ -2903,7 +2903,7 @@
           <a:cs typeface="+mn-cs"/>
         </a:defRPr>
       </a:lvl4pPr>
-      <a:lvl5pPr marL="1234154" indent="-137128" algn="l" defTabSz="274258" rtl="0" eaLnBrk="1" latinLnBrk="0" hangingPunct="1">
+      <a:lvl5pPr marL="1234153" indent="-137128" algn="l" defTabSz="274257" rtl="0" eaLnBrk="1" latinLnBrk="0" hangingPunct="1">
         <a:spcBef>
           <a:spcPct val="20000"/>
         </a:spcBef>
@@ -2918,7 +2918,7 @@
           <a:cs typeface="+mn-cs"/>
         </a:defRPr>
       </a:lvl5pPr>
-      <a:lvl6pPr marL="1508408" indent="-137128" algn="l" defTabSz="274258" rtl="0" eaLnBrk="1" latinLnBrk="0" hangingPunct="1">
+      <a:lvl6pPr marL="1508408" indent="-137128" algn="l" defTabSz="274257" rtl="0" eaLnBrk="1" latinLnBrk="0" hangingPunct="1">
         <a:spcBef>
           <a:spcPct val="20000"/>
         </a:spcBef>
@@ -2933,7 +2933,7 @@
           <a:cs typeface="+mn-cs"/>
         </a:defRPr>
       </a:lvl6pPr>
-      <a:lvl7pPr marL="1782666" indent="-137128" algn="l" defTabSz="274258" rtl="0" eaLnBrk="1" latinLnBrk="0" hangingPunct="1">
+      <a:lvl7pPr marL="1782665" indent="-137128" algn="l" defTabSz="274257" rtl="0" eaLnBrk="1" latinLnBrk="0" hangingPunct="1">
         <a:spcBef>
           <a:spcPct val="20000"/>
         </a:spcBef>
@@ -2948,7 +2948,7 @@
           <a:cs typeface="+mn-cs"/>
         </a:defRPr>
       </a:lvl7pPr>
-      <a:lvl8pPr marL="2056920" indent="-137128" algn="l" defTabSz="274258" rtl="0" eaLnBrk="1" latinLnBrk="0" hangingPunct="1">
+      <a:lvl8pPr marL="2056920" indent="-137128" algn="l" defTabSz="274257" rtl="0" eaLnBrk="1" latinLnBrk="0" hangingPunct="1">
         <a:spcBef>
           <a:spcPct val="20000"/>
         </a:spcBef>
@@ -2963,7 +2963,7 @@
           <a:cs typeface="+mn-cs"/>
         </a:defRPr>
       </a:lvl8pPr>
-      <a:lvl9pPr marL="2331176" indent="-137128" algn="l" defTabSz="274258" rtl="0" eaLnBrk="1" latinLnBrk="0" hangingPunct="1">
+      <a:lvl9pPr marL="2331176" indent="-137128" algn="l" defTabSz="274257" rtl="0" eaLnBrk="1" latinLnBrk="0" hangingPunct="1">
         <a:spcBef>
           <a:spcPct val="20000"/>
         </a:spcBef>
@@ -2983,8 +2983,8 @@
       <a:defPPr>
         <a:defRPr lang="en-US"/>
       </a:defPPr>
-      <a:lvl1pPr marL="0" algn="l" defTabSz="274258" rtl="0" eaLnBrk="1" latinLnBrk="0" hangingPunct="1">
-        <a:defRPr sz="1200" kern="1200">
+      <a:lvl1pPr marL="0" algn="l" defTabSz="274257" rtl="0" eaLnBrk="1" latinLnBrk="0" hangingPunct="1">
+        <a:defRPr sz="1100" kern="1200">
           <a:solidFill>
             <a:schemeClr val="tx1"/>
           </a:solidFill>
@@ -2993,8 +2993,8 @@
           <a:cs typeface="+mn-cs"/>
         </a:defRPr>
       </a:lvl1pPr>
-      <a:lvl2pPr marL="274258" algn="l" defTabSz="274258" rtl="0" eaLnBrk="1" latinLnBrk="0" hangingPunct="1">
-        <a:defRPr sz="1200" kern="1200">
+      <a:lvl2pPr marL="274257" algn="l" defTabSz="274257" rtl="0" eaLnBrk="1" latinLnBrk="0" hangingPunct="1">
+        <a:defRPr sz="1100" kern="1200">
           <a:solidFill>
             <a:schemeClr val="tx1"/>
           </a:solidFill>
@@ -3003,8 +3003,8 @@
           <a:cs typeface="+mn-cs"/>
         </a:defRPr>
       </a:lvl2pPr>
-      <a:lvl3pPr marL="548512" algn="l" defTabSz="274258" rtl="0" eaLnBrk="1" latinLnBrk="0" hangingPunct="1">
-        <a:defRPr sz="1200" kern="1200">
+      <a:lvl3pPr marL="548512" algn="l" defTabSz="274257" rtl="0" eaLnBrk="1" latinLnBrk="0" hangingPunct="1">
+        <a:defRPr sz="1100" kern="1200">
           <a:solidFill>
             <a:schemeClr val="tx1"/>
           </a:solidFill>
@@ -3013,8 +3013,8 @@
           <a:cs typeface="+mn-cs"/>
         </a:defRPr>
       </a:lvl3pPr>
-      <a:lvl4pPr marL="822768" algn="l" defTabSz="274258" rtl="0" eaLnBrk="1" latinLnBrk="0" hangingPunct="1">
-        <a:defRPr sz="1200" kern="1200">
+      <a:lvl4pPr marL="822768" algn="l" defTabSz="274257" rtl="0" eaLnBrk="1" latinLnBrk="0" hangingPunct="1">
+        <a:defRPr sz="1100" kern="1200">
           <a:solidFill>
             <a:schemeClr val="tx1"/>
           </a:solidFill>
@@ -3023,8 +3023,8 @@
           <a:cs typeface="+mn-cs"/>
         </a:defRPr>
       </a:lvl4pPr>
-      <a:lvl5pPr marL="1097024" algn="l" defTabSz="274258" rtl="0" eaLnBrk="1" latinLnBrk="0" hangingPunct="1">
-        <a:defRPr sz="1200" kern="1200">
+      <a:lvl5pPr marL="1097024" algn="l" defTabSz="274257" rtl="0" eaLnBrk="1" latinLnBrk="0" hangingPunct="1">
+        <a:defRPr sz="1100" kern="1200">
           <a:solidFill>
             <a:schemeClr val="tx1"/>
           </a:solidFill>
@@ -3033,8 +3033,8 @@
           <a:cs typeface="+mn-cs"/>
         </a:defRPr>
       </a:lvl5pPr>
-      <a:lvl6pPr marL="1371280" algn="l" defTabSz="274258" rtl="0" eaLnBrk="1" latinLnBrk="0" hangingPunct="1">
-        <a:defRPr sz="1200" kern="1200">
+      <a:lvl6pPr marL="1371280" algn="l" defTabSz="274257" rtl="0" eaLnBrk="1" latinLnBrk="0" hangingPunct="1">
+        <a:defRPr sz="1100" kern="1200">
           <a:solidFill>
             <a:schemeClr val="tx1"/>
           </a:solidFill>
@@ -3043,8 +3043,8 @@
           <a:cs typeface="+mn-cs"/>
         </a:defRPr>
       </a:lvl6pPr>
-      <a:lvl7pPr marL="1645538" algn="l" defTabSz="274258" rtl="0" eaLnBrk="1" latinLnBrk="0" hangingPunct="1">
-        <a:defRPr sz="1200" kern="1200">
+      <a:lvl7pPr marL="1645537" algn="l" defTabSz="274257" rtl="0" eaLnBrk="1" latinLnBrk="0" hangingPunct="1">
+        <a:defRPr sz="1100" kern="1200">
           <a:solidFill>
             <a:schemeClr val="tx1"/>
           </a:solidFill>
@@ -3053,8 +3053,8 @@
           <a:cs typeface="+mn-cs"/>
         </a:defRPr>
       </a:lvl7pPr>
-      <a:lvl8pPr marL="1919792" algn="l" defTabSz="274258" rtl="0" eaLnBrk="1" latinLnBrk="0" hangingPunct="1">
-        <a:defRPr sz="1200" kern="1200">
+      <a:lvl8pPr marL="1919792" algn="l" defTabSz="274257" rtl="0" eaLnBrk="1" latinLnBrk="0" hangingPunct="1">
+        <a:defRPr sz="1100" kern="1200">
           <a:solidFill>
             <a:schemeClr val="tx1"/>
           </a:solidFill>
@@ -3063,8 +3063,8 @@
           <a:cs typeface="+mn-cs"/>
         </a:defRPr>
       </a:lvl8pPr>
-      <a:lvl9pPr marL="2194050" algn="l" defTabSz="274258" rtl="0" eaLnBrk="1" latinLnBrk="0" hangingPunct="1">
-        <a:defRPr sz="1200" kern="1200">
+      <a:lvl9pPr marL="2194049" algn="l" defTabSz="274257" rtl="0" eaLnBrk="1" latinLnBrk="0" hangingPunct="1">
+        <a:defRPr sz="1100" kern="1200">
           <a:solidFill>
             <a:schemeClr val="tx1"/>
           </a:solidFill>
@@ -3118,7 +3118,7 @@
         <p:spPr>
           <a:xfrm>
             <a:off x="-99790" y="1172580"/>
-            <a:ext cx="5424960" cy="2452208"/>
+            <a:ext cx="5424959" cy="2452208"/>
           </a:xfrm>
           <a:prstGeom prst="rect">
             <a:avLst/>
@@ -3133,8 +3133,8 @@
         </p:nvSpPr>
         <p:spPr>
           <a:xfrm rot="5400000">
-            <a:off x="1412650" y="-862965"/>
-            <a:ext cx="369332" cy="2029586"/>
+            <a:off x="1381872" y="-862965"/>
+            <a:ext cx="430887" cy="2029586"/>
           </a:xfrm>
           <a:prstGeom prst="rect">
             <a:avLst/>
@@ -3142,7 +3142,7 @@
           <a:noFill/>
         </p:spPr>
         <p:txBody>
-          <a:bodyPr vert="vert270" wrap="square" lIns="91440" tIns="45720" rIns="91440" bIns="45720" rtlCol="0">
+          <a:bodyPr vert="vert270" wrap="square" rtlCol="0">
             <a:spAutoFit/>
           </a:bodyPr>
           <a:lstStyle/>
@@ -3163,8 +3163,8 @@
         </p:nvSpPr>
         <p:spPr>
           <a:xfrm rot="5400000">
-            <a:off x="3546700" y="-869077"/>
-            <a:ext cx="369332" cy="2029586"/>
+            <a:off x="3515921" y="-869077"/>
+            <a:ext cx="430887" cy="2029586"/>
           </a:xfrm>
           <a:prstGeom prst="rect">
             <a:avLst/>
@@ -3172,7 +3172,7 @@
           <a:noFill/>
         </p:spPr>
         <p:txBody>
-          <a:bodyPr vert="vert270" wrap="square" lIns="91440" tIns="45720" rIns="91440" bIns="45720" rtlCol="0">
+          <a:bodyPr vert="vert270" wrap="square" rtlCol="0">
             <a:spAutoFit/>
           </a:bodyPr>
           <a:lstStyle/>
@@ -3193,8 +3193,8 @@
         </p:nvSpPr>
         <p:spPr>
           <a:xfrm rot="5400000">
-            <a:off x="1978281" y="4808"/>
-            <a:ext cx="143326" cy="226492"/>
+            <a:off x="1978279" y="4807"/>
+            <a:ext cx="143326" cy="226491"/>
           </a:xfrm>
           <a:prstGeom prst="rect">
             <a:avLst/>
@@ -3223,7 +3223,7 @@
           </a:fontRef>
         </p:style>
         <p:txBody>
-          <a:bodyPr lIns="91440" tIns="45720" rIns="91440" bIns="45720" rtlCol="0" anchor="ctr"/>
+          <a:bodyPr rtlCol="0" anchor="ctr"/>
           <a:lstStyle/>
           <a:p>
             <a:pPr algn="ctr"/>
@@ -3239,8 +3239,8 @@
         </p:nvSpPr>
         <p:spPr>
           <a:xfrm rot="5400000">
-            <a:off x="4037587" y="4808"/>
-            <a:ext cx="143326" cy="226492"/>
+            <a:off x="4037586" y="4807"/>
+            <a:ext cx="143326" cy="226491"/>
           </a:xfrm>
           <a:prstGeom prst="rect">
             <a:avLst/>
@@ -3269,7 +3269,7 @@
           </a:fontRef>
         </p:style>
         <p:txBody>
-          <a:bodyPr lIns="91440" tIns="45720" rIns="91440" bIns="45720" rtlCol="0" anchor="ctr"/>
+          <a:bodyPr rtlCol="0" anchor="ctr"/>
           <a:lstStyle/>
           <a:p>
             <a:pPr algn="ctr"/>
@@ -3299,8 +3299,8 @@
         </p:blipFill>
         <p:spPr>
           <a:xfrm>
-            <a:off x="591597" y="235066"/>
-            <a:ext cx="1041522" cy="1043000"/>
+            <a:off x="591595" y="235066"/>
+            <a:ext cx="1041522" cy="1042999"/>
           </a:xfrm>
           <a:prstGeom prst="rect">
             <a:avLst/>
@@ -3329,8 +3329,8 @@
         </p:blipFill>
         <p:spPr>
           <a:xfrm>
-            <a:off x="1667397" y="235066"/>
-            <a:ext cx="1041518" cy="1043000"/>
+            <a:off x="1667396" y="235066"/>
+            <a:ext cx="1041517" cy="1042999"/>
           </a:xfrm>
           <a:prstGeom prst="rect">
             <a:avLst/>
@@ -3359,8 +3359,8 @@
         </p:blipFill>
         <p:spPr>
           <a:xfrm>
-            <a:off x="2716573" y="235066"/>
-            <a:ext cx="1048242" cy="1045280"/>
+            <a:off x="2716571" y="235066"/>
+            <a:ext cx="1048242" cy="1045279"/>
           </a:xfrm>
           <a:prstGeom prst="rect">
             <a:avLst/>
@@ -3389,8 +3389,8 @@
         </p:blipFill>
         <p:spPr>
           <a:xfrm>
-            <a:off x="3782957" y="227281"/>
-            <a:ext cx="1052334" cy="1054582"/>
+            <a:off x="3782955" y="227280"/>
+            <a:ext cx="1052333" cy="1054581"/>
           </a:xfrm>
           <a:prstGeom prst="rect">
             <a:avLst/>
